--- a/figs/sdh-active-learning.pptx
+++ b/figs/sdh-active-learning.pptx
@@ -120,19 +120,18 @@
       <c:style val="18"/>
     </mc:Fallback>
   </mc:AlternateContent>
-  <c:clrMapOvr bg1="lt1" tx1="dk1" bg2="lt2" tx2="dk2" accent1="accent1" accent2="accent2" accent3="accent3" accent4="accent4" accent5="accent5" accent6="accent6" hlink="hlink" folHlink="folHlink"/>
   <c:chart>
-    <c:autoTitleDeleted val="0"/>
+    <c:autoTitleDeleted val="1"/>
     <c:plotArea>
       <c:layout>
         <c:manualLayout>
           <c:layoutTarget val="inner"/>
           <c:xMode val="edge"/>
           <c:yMode val="edge"/>
-          <c:x val="0.221780675853018"/>
-          <c:y val="0.163888524351123"/>
-          <c:w val="0.694275481189851"/>
-          <c:h val="0.636358996792068"/>
+          <c:x val="0.175280785214348"/>
+          <c:y val="0.175925925925926"/>
+          <c:w val="0.682925415573053"/>
+          <c:h val="0.615740740740741"/>
         </c:manualLayout>
       </c:layout>
       <c:scatterChart>
@@ -140,699 +139,6 @@
         <c:varyColors val="0"/>
         <c:ser>
           <c:idx val="1"/>
-          <c:order val="1"/>
-          <c:tx>
-            <c:strRef>
-              <c:f>'sdh-70%'!$L$1</c:f>
-              <c:strCache>
-                <c:ptCount val="1"/>
-                <c:pt idx="0">
-                  <c:v>MinRemaining</c:v>
-                </c:pt>
-              </c:strCache>
-            </c:strRef>
-          </c:tx>
-          <c:spPr>
-            <a:ln w="12700" cmpd="sng">
-              <a:solidFill>
-                <a:schemeClr val="tx1"/>
-              </a:solidFill>
-              <a:prstDash val="dash"/>
-            </a:ln>
-          </c:spPr>
-          <c:marker>
-            <c:symbol val="none"/>
-          </c:marker>
-          <c:xVal>
-            <c:numRef>
-              <c:f>'sdh-70%'!$K$2:$K$109</c:f>
-              <c:numCache>
-                <c:formatCode>General</c:formatCode>
-                <c:ptCount val="108"/>
-                <c:pt idx="0">
-                  <c:v>0.0</c:v>
-                </c:pt>
-                <c:pt idx="1">
-                  <c:v>1.0</c:v>
-                </c:pt>
-                <c:pt idx="2">
-                  <c:v>2.0</c:v>
-                </c:pt>
-                <c:pt idx="3">
-                  <c:v>3.0</c:v>
-                </c:pt>
-                <c:pt idx="4">
-                  <c:v>4.0</c:v>
-                </c:pt>
-                <c:pt idx="5">
-                  <c:v>5.0</c:v>
-                </c:pt>
-                <c:pt idx="6">
-                  <c:v>6.0</c:v>
-                </c:pt>
-                <c:pt idx="7">
-                  <c:v>7.0</c:v>
-                </c:pt>
-                <c:pt idx="8">
-                  <c:v>8.0</c:v>
-                </c:pt>
-                <c:pt idx="9">
-                  <c:v>9.0</c:v>
-                </c:pt>
-                <c:pt idx="10">
-                  <c:v>10.0</c:v>
-                </c:pt>
-                <c:pt idx="11">
-                  <c:v>11.0</c:v>
-                </c:pt>
-                <c:pt idx="12">
-                  <c:v>12.0</c:v>
-                </c:pt>
-                <c:pt idx="13">
-                  <c:v>13.0</c:v>
-                </c:pt>
-                <c:pt idx="14">
-                  <c:v>14.0</c:v>
-                </c:pt>
-                <c:pt idx="15">
-                  <c:v>15.0</c:v>
-                </c:pt>
-                <c:pt idx="16">
-                  <c:v>16.0</c:v>
-                </c:pt>
-                <c:pt idx="17">
-                  <c:v>17.0</c:v>
-                </c:pt>
-                <c:pt idx="18">
-                  <c:v>18.0</c:v>
-                </c:pt>
-                <c:pt idx="19">
-                  <c:v>19.0</c:v>
-                </c:pt>
-                <c:pt idx="20">
-                  <c:v>20.0</c:v>
-                </c:pt>
-                <c:pt idx="21">
-                  <c:v>21.0</c:v>
-                </c:pt>
-                <c:pt idx="22">
-                  <c:v>22.0</c:v>
-                </c:pt>
-                <c:pt idx="23">
-                  <c:v>23.0</c:v>
-                </c:pt>
-                <c:pt idx="24">
-                  <c:v>24.0</c:v>
-                </c:pt>
-                <c:pt idx="25">
-                  <c:v>25.0</c:v>
-                </c:pt>
-                <c:pt idx="26">
-                  <c:v>26.0</c:v>
-                </c:pt>
-                <c:pt idx="27">
-                  <c:v>27.0</c:v>
-                </c:pt>
-                <c:pt idx="28">
-                  <c:v>28.0</c:v>
-                </c:pt>
-                <c:pt idx="29">
-                  <c:v>29.0</c:v>
-                </c:pt>
-                <c:pt idx="30">
-                  <c:v>30.0</c:v>
-                </c:pt>
-                <c:pt idx="31">
-                  <c:v>31.0</c:v>
-                </c:pt>
-                <c:pt idx="32">
-                  <c:v>32.0</c:v>
-                </c:pt>
-                <c:pt idx="33">
-                  <c:v>33.0</c:v>
-                </c:pt>
-                <c:pt idx="34">
-                  <c:v>34.0</c:v>
-                </c:pt>
-                <c:pt idx="35">
-                  <c:v>35.0</c:v>
-                </c:pt>
-                <c:pt idx="36">
-                  <c:v>36.0</c:v>
-                </c:pt>
-                <c:pt idx="37">
-                  <c:v>37.0</c:v>
-                </c:pt>
-                <c:pt idx="38">
-                  <c:v>38.0</c:v>
-                </c:pt>
-                <c:pt idx="39">
-                  <c:v>39.0</c:v>
-                </c:pt>
-                <c:pt idx="40">
-                  <c:v>40.0</c:v>
-                </c:pt>
-                <c:pt idx="41">
-                  <c:v>41.0</c:v>
-                </c:pt>
-                <c:pt idx="42">
-                  <c:v>42.0</c:v>
-                </c:pt>
-                <c:pt idx="43">
-                  <c:v>43.0</c:v>
-                </c:pt>
-                <c:pt idx="44">
-                  <c:v>44.0</c:v>
-                </c:pt>
-                <c:pt idx="45">
-                  <c:v>45.0</c:v>
-                </c:pt>
-                <c:pt idx="46">
-                  <c:v>46.0</c:v>
-                </c:pt>
-                <c:pt idx="47">
-                  <c:v>47.0</c:v>
-                </c:pt>
-                <c:pt idx="48">
-                  <c:v>48.0</c:v>
-                </c:pt>
-                <c:pt idx="49">
-                  <c:v>49.0</c:v>
-                </c:pt>
-                <c:pt idx="50">
-                  <c:v>50.0</c:v>
-                </c:pt>
-                <c:pt idx="51">
-                  <c:v>51.0</c:v>
-                </c:pt>
-                <c:pt idx="52">
-                  <c:v>52.0</c:v>
-                </c:pt>
-                <c:pt idx="53">
-                  <c:v>53.0</c:v>
-                </c:pt>
-                <c:pt idx="54">
-                  <c:v>54.0</c:v>
-                </c:pt>
-                <c:pt idx="55">
-                  <c:v>55.0</c:v>
-                </c:pt>
-                <c:pt idx="56">
-                  <c:v>56.0</c:v>
-                </c:pt>
-                <c:pt idx="57">
-                  <c:v>57.0</c:v>
-                </c:pt>
-                <c:pt idx="58">
-                  <c:v>58.0</c:v>
-                </c:pt>
-                <c:pt idx="59">
-                  <c:v>59.0</c:v>
-                </c:pt>
-                <c:pt idx="60">
-                  <c:v>60.0</c:v>
-                </c:pt>
-                <c:pt idx="61">
-                  <c:v>61.0</c:v>
-                </c:pt>
-                <c:pt idx="62">
-                  <c:v>62.0</c:v>
-                </c:pt>
-                <c:pt idx="63">
-                  <c:v>63.0</c:v>
-                </c:pt>
-                <c:pt idx="64">
-                  <c:v>64.0</c:v>
-                </c:pt>
-                <c:pt idx="65">
-                  <c:v>65.0</c:v>
-                </c:pt>
-                <c:pt idx="66">
-                  <c:v>66.0</c:v>
-                </c:pt>
-                <c:pt idx="67">
-                  <c:v>67.0</c:v>
-                </c:pt>
-                <c:pt idx="68">
-                  <c:v>68.0</c:v>
-                </c:pt>
-                <c:pt idx="69">
-                  <c:v>69.0</c:v>
-                </c:pt>
-                <c:pt idx="70">
-                  <c:v>70.0</c:v>
-                </c:pt>
-                <c:pt idx="71">
-                  <c:v>71.0</c:v>
-                </c:pt>
-                <c:pt idx="72">
-                  <c:v>72.0</c:v>
-                </c:pt>
-                <c:pt idx="73">
-                  <c:v>73.0</c:v>
-                </c:pt>
-                <c:pt idx="74">
-                  <c:v>74.0</c:v>
-                </c:pt>
-                <c:pt idx="75">
-                  <c:v>75.0</c:v>
-                </c:pt>
-                <c:pt idx="76">
-                  <c:v>76.0</c:v>
-                </c:pt>
-                <c:pt idx="77">
-                  <c:v>77.0</c:v>
-                </c:pt>
-                <c:pt idx="78">
-                  <c:v>78.0</c:v>
-                </c:pt>
-                <c:pt idx="79">
-                  <c:v>79.0</c:v>
-                </c:pt>
-                <c:pt idx="80">
-                  <c:v>80.0</c:v>
-                </c:pt>
-                <c:pt idx="81">
-                  <c:v>81.0</c:v>
-                </c:pt>
-                <c:pt idx="82">
-                  <c:v>82.0</c:v>
-                </c:pt>
-                <c:pt idx="83">
-                  <c:v>83.0</c:v>
-                </c:pt>
-                <c:pt idx="84">
-                  <c:v>84.0</c:v>
-                </c:pt>
-                <c:pt idx="85">
-                  <c:v>85.0</c:v>
-                </c:pt>
-                <c:pt idx="86">
-                  <c:v>86.0</c:v>
-                </c:pt>
-                <c:pt idx="87">
-                  <c:v>87.0</c:v>
-                </c:pt>
-                <c:pt idx="88">
-                  <c:v>88.0</c:v>
-                </c:pt>
-                <c:pt idx="89">
-                  <c:v>89.0</c:v>
-                </c:pt>
-                <c:pt idx="90">
-                  <c:v>90.0</c:v>
-                </c:pt>
-                <c:pt idx="91">
-                  <c:v>91.0</c:v>
-                </c:pt>
-                <c:pt idx="92">
-                  <c:v>92.0</c:v>
-                </c:pt>
-                <c:pt idx="93">
-                  <c:v>93.0</c:v>
-                </c:pt>
-                <c:pt idx="94">
-                  <c:v>94.0</c:v>
-                </c:pt>
-                <c:pt idx="95">
-                  <c:v>95.0</c:v>
-                </c:pt>
-                <c:pt idx="96">
-                  <c:v>96.0</c:v>
-                </c:pt>
-                <c:pt idx="97">
-                  <c:v>97.0</c:v>
-                </c:pt>
-                <c:pt idx="98">
-                  <c:v>98.0</c:v>
-                </c:pt>
-                <c:pt idx="99">
-                  <c:v>99.0</c:v>
-                </c:pt>
-                <c:pt idx="100">
-                  <c:v>100.0</c:v>
-                </c:pt>
-                <c:pt idx="101">
-                  <c:v>101.0</c:v>
-                </c:pt>
-                <c:pt idx="102">
-                  <c:v>102.0</c:v>
-                </c:pt>
-                <c:pt idx="103">
-                  <c:v>103.0</c:v>
-                </c:pt>
-                <c:pt idx="104">
-                  <c:v>104.0</c:v>
-                </c:pt>
-                <c:pt idx="105">
-                  <c:v>105.0</c:v>
-                </c:pt>
-                <c:pt idx="106">
-                  <c:v>106.0</c:v>
-                </c:pt>
-                <c:pt idx="107">
-                  <c:v>107.0</c:v>
-                </c:pt>
-              </c:numCache>
-            </c:numRef>
-          </c:xVal>
-          <c:yVal>
-            <c:numRef>
-              <c:f>'sdh-70%'!$L$2:$L$109</c:f>
-              <c:numCache>
-                <c:formatCode>General</c:formatCode>
-                <c:ptCount val="108"/>
-                <c:pt idx="0">
-                  <c:v>0.0</c:v>
-                </c:pt>
-                <c:pt idx="1">
-                  <c:v>0.0</c:v>
-                </c:pt>
-                <c:pt idx="2">
-                  <c:v>5.527244217953744</c:v>
-                </c:pt>
-                <c:pt idx="3">
-                  <c:v>5.64484515876127</c:v>
-                </c:pt>
-                <c:pt idx="4">
-                  <c:v>5.64484515876127</c:v>
-                </c:pt>
-                <c:pt idx="5">
-                  <c:v>5.723245785966287</c:v>
-                </c:pt>
-                <c:pt idx="6">
-                  <c:v>5.801646413171304</c:v>
-                </c:pt>
-                <c:pt idx="7">
-                  <c:v>5.880047040376323</c:v>
-                </c:pt>
-                <c:pt idx="8">
-                  <c:v>5.91924735397883</c:v>
-                </c:pt>
-                <c:pt idx="9">
-                  <c:v>5.958447667581341</c:v>
-                </c:pt>
-                <c:pt idx="10">
-                  <c:v>5.99764798118385</c:v>
-                </c:pt>
-                <c:pt idx="11">
-                  <c:v>6.97765582124657</c:v>
-                </c:pt>
-                <c:pt idx="12">
-                  <c:v>8.93767150137201</c:v>
-                </c:pt>
-                <c:pt idx="13">
-                  <c:v>9.52567620540964</c:v>
-                </c:pt>
-                <c:pt idx="14">
-                  <c:v>9.99607996863975</c:v>
-                </c:pt>
-                <c:pt idx="15">
-                  <c:v>10.97608780870247</c:v>
-                </c:pt>
-                <c:pt idx="16">
-                  <c:v>12.11289690317523</c:v>
-                </c:pt>
-                <c:pt idx="17">
-                  <c:v>12.19129753038024</c:v>
-                </c:pt>
-                <c:pt idx="18">
-                  <c:v>12.85770286162289</c:v>
-                </c:pt>
-                <c:pt idx="19">
-                  <c:v>12.85770286162289</c:v>
-                </c:pt>
-                <c:pt idx="20">
-                  <c:v>12.8969031752254</c:v>
-                </c:pt>
-                <c:pt idx="21">
-                  <c:v>10.11368090944728</c:v>
-                </c:pt>
-                <c:pt idx="22">
-                  <c:v>10.19208153665229</c:v>
-                </c:pt>
-                <c:pt idx="23">
-                  <c:v>10.27048216385731</c:v>
-                </c:pt>
-                <c:pt idx="24">
-                  <c:v>10.34888279106233</c:v>
-                </c:pt>
-                <c:pt idx="25">
-                  <c:v>10.42728341826735</c:v>
-                </c:pt>
-                <c:pt idx="26">
-                  <c:v>15.83692669541356</c:v>
-                </c:pt>
-                <c:pt idx="27">
-                  <c:v>20.58016464131713</c:v>
-                </c:pt>
-                <c:pt idx="28">
-                  <c:v>25.3234025872207</c:v>
-                </c:pt>
-                <c:pt idx="29">
-                  <c:v>25.40180321442572</c:v>
-                </c:pt>
-                <c:pt idx="30">
-                  <c:v>25.48020384163073</c:v>
-                </c:pt>
-                <c:pt idx="31">
-                  <c:v>25.55860446883575</c:v>
-                </c:pt>
-                <c:pt idx="32">
-                  <c:v>30.96824774598197</c:v>
-                </c:pt>
-                <c:pt idx="33">
-                  <c:v>31.00744805958448</c:v>
-                </c:pt>
-                <c:pt idx="34">
-                  <c:v>35.75068600548804</c:v>
-                </c:pt>
-                <c:pt idx="35">
-                  <c:v>36.73069384555076</c:v>
-                </c:pt>
-                <c:pt idx="36">
-                  <c:v>42.49313994511955</c:v>
-                </c:pt>
-                <c:pt idx="37">
-                  <c:v>42.53234025872207</c:v>
-                </c:pt>
-                <c:pt idx="38">
-                  <c:v>48.33398667189338</c:v>
-                </c:pt>
-                <c:pt idx="39">
-                  <c:v>48.45158761270091</c:v>
-                </c:pt>
-                <c:pt idx="40">
-                  <c:v>48.49078792630341</c:v>
-                </c:pt>
-                <c:pt idx="41">
-                  <c:v>48.8827910623285</c:v>
-                </c:pt>
-                <c:pt idx="42">
-                  <c:v>48.96119168953351</c:v>
-                </c:pt>
-                <c:pt idx="43">
-                  <c:v>49.58839670717366</c:v>
-                </c:pt>
-                <c:pt idx="44">
-                  <c:v>54.99803998431987</c:v>
-                </c:pt>
-                <c:pt idx="45">
-                  <c:v>55.23324186593493</c:v>
-                </c:pt>
-                <c:pt idx="46">
-                  <c:v>55.39004312034496</c:v>
-                </c:pt>
-                <c:pt idx="47">
-                  <c:v>55.46844374754998</c:v>
-                </c:pt>
-                <c:pt idx="48">
-                  <c:v>55.62524500196002</c:v>
-                </c:pt>
-                <c:pt idx="49">
-                  <c:v>55.70364562916503</c:v>
-                </c:pt>
-                <c:pt idx="50">
-                  <c:v>55.78204625637005</c:v>
-                </c:pt>
-                <c:pt idx="51">
-                  <c:v>56.01724813798511</c:v>
-                </c:pt>
-                <c:pt idx="52">
-                  <c:v>56.21324970599765</c:v>
-                </c:pt>
-                <c:pt idx="53">
-                  <c:v>56.25245001960015</c:v>
-                </c:pt>
-                <c:pt idx="54">
-                  <c:v>56.29165033320267</c:v>
-                </c:pt>
-                <c:pt idx="55">
-                  <c:v>56.33085064680517</c:v>
-                </c:pt>
-                <c:pt idx="56">
-                  <c:v>56.64445315562524</c:v>
-                </c:pt>
-                <c:pt idx="57">
-                  <c:v>56.64445315562524</c:v>
-                </c:pt>
-                <c:pt idx="58">
-                  <c:v>56.64445315562524</c:v>
-                </c:pt>
-                <c:pt idx="59">
-                  <c:v>56.64445315562524</c:v>
-                </c:pt>
-                <c:pt idx="60">
-                  <c:v>56.64445315562524</c:v>
-                </c:pt>
-                <c:pt idx="61">
-                  <c:v>56.64445315562524</c:v>
-                </c:pt>
-                <c:pt idx="62">
-                  <c:v>56.64445315562524</c:v>
-                </c:pt>
-                <c:pt idx="63">
-                  <c:v>56.64445315562524</c:v>
-                </c:pt>
-                <c:pt idx="64">
-                  <c:v>56.64445315562524</c:v>
-                </c:pt>
-                <c:pt idx="65">
-                  <c:v>56.64445315562524</c:v>
-                </c:pt>
-                <c:pt idx="66">
-                  <c:v>56.80125441003528</c:v>
-                </c:pt>
-                <c:pt idx="67">
-                  <c:v>56.8796550372403</c:v>
-                </c:pt>
-                <c:pt idx="68">
-                  <c:v>56.8796550372403</c:v>
-                </c:pt>
-                <c:pt idx="69">
-                  <c:v>56.8796550372403</c:v>
-                </c:pt>
-                <c:pt idx="70">
-                  <c:v>56.8796550372403</c:v>
-                </c:pt>
-                <c:pt idx="71">
-                  <c:v>56.9188553508428</c:v>
-                </c:pt>
-                <c:pt idx="72">
-                  <c:v>56.95805566444532</c:v>
-                </c:pt>
-                <c:pt idx="73">
-                  <c:v>56.95805566444532</c:v>
-                </c:pt>
-                <c:pt idx="74">
-                  <c:v>57.03645629165033</c:v>
-                </c:pt>
-                <c:pt idx="75">
-                  <c:v>57.11485691885535</c:v>
-                </c:pt>
-                <c:pt idx="76">
-                  <c:v>57.15405723245786</c:v>
-                </c:pt>
-                <c:pt idx="77">
-                  <c:v>57.19325754606037</c:v>
-                </c:pt>
-                <c:pt idx="78">
-                  <c:v>57.23245785966288</c:v>
-                </c:pt>
-                <c:pt idx="79">
-                  <c:v>57.27165817326539</c:v>
-                </c:pt>
-                <c:pt idx="80">
-                  <c:v>57.31085848686789</c:v>
-                </c:pt>
-                <c:pt idx="81">
-                  <c:v>57.31085848686789</c:v>
-                </c:pt>
-                <c:pt idx="82">
-                  <c:v>57.38925911407291</c:v>
-                </c:pt>
-                <c:pt idx="83">
-                  <c:v>57.38925911407291</c:v>
-                </c:pt>
-                <c:pt idx="84">
-                  <c:v>57.42845942767542</c:v>
-                </c:pt>
-                <c:pt idx="85">
-                  <c:v>62.56370050960408</c:v>
-                </c:pt>
-                <c:pt idx="86">
-                  <c:v>62.6421011368091</c:v>
-                </c:pt>
-                <c:pt idx="87">
-                  <c:v>62.6421011368091</c:v>
-                </c:pt>
-                <c:pt idx="88">
-                  <c:v>62.6421011368091</c:v>
-                </c:pt>
-                <c:pt idx="89">
-                  <c:v>62.72050176401411</c:v>
-                </c:pt>
-                <c:pt idx="90">
-                  <c:v>62.72050176401411</c:v>
-                </c:pt>
-                <c:pt idx="91">
-                  <c:v>62.75970207761662</c:v>
-                </c:pt>
-                <c:pt idx="92">
-                  <c:v>62.79890239121912</c:v>
-                </c:pt>
-                <c:pt idx="93">
-                  <c:v>62.87730301842415</c:v>
-                </c:pt>
-                <c:pt idx="94">
-                  <c:v>62.91650333202666</c:v>
-                </c:pt>
-                <c:pt idx="95">
-                  <c:v>62.95570364562916</c:v>
-                </c:pt>
-                <c:pt idx="96">
-                  <c:v>63.03410427283418</c:v>
-                </c:pt>
-                <c:pt idx="97">
-                  <c:v>63.07330458643669</c:v>
-                </c:pt>
-                <c:pt idx="98">
-                  <c:v>63.1125049000392</c:v>
-                </c:pt>
-                <c:pt idx="99">
-                  <c:v>63.19090552724422</c:v>
-                </c:pt>
-                <c:pt idx="100">
-                  <c:v>63.42610740885927</c:v>
-                </c:pt>
-                <c:pt idx="101">
-                  <c:v>63.46530772246178</c:v>
-                </c:pt>
-                <c:pt idx="102">
-                  <c:v>63.46530772246178</c:v>
-                </c:pt>
-                <c:pt idx="103">
-                  <c:v>63.50450803606429</c:v>
-                </c:pt>
-                <c:pt idx="104">
-                  <c:v>68.9141513132105</c:v>
-                </c:pt>
-                <c:pt idx="105">
-                  <c:v>69.89415915327322</c:v>
-                </c:pt>
-                <c:pt idx="106">
-                  <c:v>69.93335946687572</c:v>
-                </c:pt>
-                <c:pt idx="107">
-                  <c:v>75.34300274402196</c:v>
-                </c:pt>
-              </c:numCache>
-            </c:numRef>
-          </c:yVal>
-          <c:smooth val="1"/>
-        </c:ser>
-        <c:ser>
-          <c:idx val="0"/>
           <c:order val="0"/>
           <c:tx>
             <c:strRef>
@@ -848,8 +154,9 @@
           <c:spPr>
             <a:ln w="19050" cmpd="sng">
               <a:solidFill>
-                <a:srgbClr val="000000"/>
+                <a:srgbClr val="FF0000"/>
               </a:solidFill>
+              <a:prstDash val="sysDash"/>
             </a:ln>
           </c:spPr>
           <c:marker>
@@ -921,6 +228,69 @@
                 <c:pt idx="19">
                   <c:v>19.0</c:v>
                 </c:pt>
+                <c:pt idx="20">
+                  <c:v>20.0</c:v>
+                </c:pt>
+                <c:pt idx="21">
+                  <c:v>21.0</c:v>
+                </c:pt>
+                <c:pt idx="22">
+                  <c:v>22.0</c:v>
+                </c:pt>
+                <c:pt idx="23">
+                  <c:v>23.0</c:v>
+                </c:pt>
+                <c:pt idx="24">
+                  <c:v>24.0</c:v>
+                </c:pt>
+                <c:pt idx="25">
+                  <c:v>25.0</c:v>
+                </c:pt>
+                <c:pt idx="26">
+                  <c:v>26.0</c:v>
+                </c:pt>
+                <c:pt idx="27">
+                  <c:v>27.0</c:v>
+                </c:pt>
+                <c:pt idx="28">
+                  <c:v>28.0</c:v>
+                </c:pt>
+                <c:pt idx="29">
+                  <c:v>29.0</c:v>
+                </c:pt>
+                <c:pt idx="30">
+                  <c:v>30.0</c:v>
+                </c:pt>
+                <c:pt idx="31">
+                  <c:v>31.0</c:v>
+                </c:pt>
+                <c:pt idx="32">
+                  <c:v>32.0</c:v>
+                </c:pt>
+                <c:pt idx="33">
+                  <c:v>33.0</c:v>
+                </c:pt>
+                <c:pt idx="34">
+                  <c:v>34.0</c:v>
+                </c:pt>
+                <c:pt idx="35">
+                  <c:v>35.0</c:v>
+                </c:pt>
+                <c:pt idx="36">
+                  <c:v>36.0</c:v>
+                </c:pt>
+                <c:pt idx="37">
+                  <c:v>37.0</c:v>
+                </c:pt>
+                <c:pt idx="38">
+                  <c:v>38.0</c:v>
+                </c:pt>
+                <c:pt idx="39">
+                  <c:v>39.0</c:v>
+                </c:pt>
+                <c:pt idx="40">
+                  <c:v>40.0</c:v>
+                </c:pt>
               </c:numCache>
             </c:numRef>
           </c:xVal>
@@ -946,49 +316,112 @@
                   <c:v>11.52489219913759</c:v>
                 </c:pt>
                 <c:pt idx="5">
-                  <c:v>16.38573108584869</c:v>
+                  <c:v>16.93453547628381</c:v>
                 </c:pt>
                 <c:pt idx="6">
-                  <c:v>21.7953743629949</c:v>
+                  <c:v>21.67777342218738</c:v>
                 </c:pt>
                 <c:pt idx="7">
-                  <c:v>27.20501764014112</c:v>
+                  <c:v>27.08741669933358</c:v>
                 </c:pt>
                 <c:pt idx="8">
-                  <c:v>32.61466091728734</c:v>
+                  <c:v>27.00901607212858</c:v>
                 </c:pt>
                 <c:pt idx="9">
-                  <c:v>38.02430419443355</c:v>
+                  <c:v>31.75225401803214</c:v>
                 </c:pt>
                 <c:pt idx="10">
-                  <c:v>39.0827126617013</c:v>
+                  <c:v>32.18345746765974</c:v>
                 </c:pt>
                 <c:pt idx="11">
-                  <c:v>44.4923559388475</c:v>
+                  <c:v>32.18345746765974</c:v>
                 </c:pt>
                 <c:pt idx="12">
-                  <c:v>45.62916503332027</c:v>
+                  <c:v>32.26185809486475</c:v>
                 </c:pt>
                 <c:pt idx="13">
-                  <c:v>50.37240297922384</c:v>
+                  <c:v>37.67150137201098</c:v>
                 </c:pt>
                 <c:pt idx="14">
-                  <c:v>55.1156409251274</c:v>
+                  <c:v>43.0811446491572</c:v>
                 </c:pt>
                 <c:pt idx="15">
-                  <c:v>60.52528420227362</c:v>
+                  <c:v>47.82438259506075</c:v>
                 </c:pt>
                 <c:pt idx="16">
-                  <c:v>61.11328890631125</c:v>
+                  <c:v>48.80439043512347</c:v>
                 </c:pt>
                 <c:pt idx="17">
-                  <c:v>61.7796942375539</c:v>
+                  <c:v>49.50999607996864</c:v>
                 </c:pt>
                 <c:pt idx="18">
-                  <c:v>66.52293218345747</c:v>
+                  <c:v>51.47001176009407</c:v>
                 </c:pt>
                 <c:pt idx="19">
-                  <c:v>71.26617012936103</c:v>
+                  <c:v>52.72442179537435</c:v>
+                </c:pt>
+                <c:pt idx="20">
+                  <c:v>53.390827126617</c:v>
+                </c:pt>
+                <c:pt idx="21">
+                  <c:v>58.13406507252058</c:v>
+                </c:pt>
+                <c:pt idx="22">
+                  <c:v>58.13406507252058</c:v>
+                </c:pt>
+                <c:pt idx="23">
+                  <c:v>59.23167385339082</c:v>
+                </c:pt>
+                <c:pt idx="24">
+                  <c:v>64.64131713053705</c:v>
+                </c:pt>
+                <c:pt idx="25">
+                  <c:v>64.71971775774206</c:v>
+                </c:pt>
+                <c:pt idx="26">
+                  <c:v>65.19012152097216</c:v>
+                </c:pt>
+                <c:pt idx="27">
+                  <c:v>70.5997647981184</c:v>
+                </c:pt>
+                <c:pt idx="28">
+                  <c:v>70.83496667973345</c:v>
+                </c:pt>
+                <c:pt idx="29">
+                  <c:v>75.578204625637</c:v>
+                </c:pt>
+                <c:pt idx="30">
+                  <c:v>76.32301058408466</c:v>
+                </c:pt>
+                <c:pt idx="31">
+                  <c:v>77.45981967855742</c:v>
+                </c:pt>
+                <c:pt idx="32">
+                  <c:v>77.57742061936495</c:v>
+                </c:pt>
+                <c:pt idx="33">
+                  <c:v>78.2046256370051</c:v>
+                </c:pt>
+                <c:pt idx="34">
+                  <c:v>78.51822814582516</c:v>
+                </c:pt>
+                <c:pt idx="35">
+                  <c:v>83.92787142297138</c:v>
+                </c:pt>
+                <c:pt idx="36">
+                  <c:v>84.9078792630341</c:v>
+                </c:pt>
+                <c:pt idx="37">
+                  <c:v>89.65111720893767</c:v>
+                </c:pt>
+                <c:pt idx="38">
+                  <c:v>89.72951783614268</c:v>
+                </c:pt>
+                <c:pt idx="39">
+                  <c:v>89.72951783614268</c:v>
+                </c:pt>
+                <c:pt idx="40">
+                  <c:v>90.00392003136026</c:v>
                 </c:pt>
               </c:numCache>
             </c:numRef>
@@ -997,6 +430,761 @@
         </c:ser>
         <c:ser>
           <c:idx val="2"/>
+          <c:order val="1"/>
+          <c:tx>
+            <c:strRef>
+              <c:f>'sdh-70%'!$L$1</c:f>
+              <c:strCache>
+                <c:ptCount val="1"/>
+                <c:pt idx="0">
+                  <c:v>MinRemaining</c:v>
+                </c:pt>
+              </c:strCache>
+            </c:strRef>
+          </c:tx>
+          <c:spPr>
+            <a:ln w="12700" cmpd="sng">
+              <a:solidFill>
+                <a:schemeClr val="bg1">
+                  <a:lumMod val="50000"/>
+                </a:schemeClr>
+              </a:solidFill>
+              <a:prstDash val="solid"/>
+            </a:ln>
+          </c:spPr>
+          <c:marker>
+            <c:symbol val="none"/>
+          </c:marker>
+          <c:xVal>
+            <c:numRef>
+              <c:f>'sdh-70%'!$K$2:$K$120</c:f>
+              <c:numCache>
+                <c:formatCode>General</c:formatCode>
+                <c:ptCount val="119"/>
+                <c:pt idx="0">
+                  <c:v>0.0</c:v>
+                </c:pt>
+                <c:pt idx="1">
+                  <c:v>1.0</c:v>
+                </c:pt>
+                <c:pt idx="2">
+                  <c:v>2.0</c:v>
+                </c:pt>
+                <c:pt idx="3">
+                  <c:v>3.0</c:v>
+                </c:pt>
+                <c:pt idx="4">
+                  <c:v>4.0</c:v>
+                </c:pt>
+                <c:pt idx="5">
+                  <c:v>5.0</c:v>
+                </c:pt>
+                <c:pt idx="6">
+                  <c:v>6.0</c:v>
+                </c:pt>
+                <c:pt idx="7">
+                  <c:v>7.0</c:v>
+                </c:pt>
+                <c:pt idx="8">
+                  <c:v>8.0</c:v>
+                </c:pt>
+                <c:pt idx="9">
+                  <c:v>9.0</c:v>
+                </c:pt>
+                <c:pt idx="10">
+                  <c:v>10.0</c:v>
+                </c:pt>
+                <c:pt idx="11">
+                  <c:v>11.0</c:v>
+                </c:pt>
+                <c:pt idx="12">
+                  <c:v>12.0</c:v>
+                </c:pt>
+                <c:pt idx="13">
+                  <c:v>13.0</c:v>
+                </c:pt>
+                <c:pt idx="14">
+                  <c:v>14.0</c:v>
+                </c:pt>
+                <c:pt idx="15">
+                  <c:v>15.0</c:v>
+                </c:pt>
+                <c:pt idx="16">
+                  <c:v>16.0</c:v>
+                </c:pt>
+                <c:pt idx="17">
+                  <c:v>17.0</c:v>
+                </c:pt>
+                <c:pt idx="18">
+                  <c:v>18.0</c:v>
+                </c:pt>
+                <c:pt idx="19">
+                  <c:v>19.0</c:v>
+                </c:pt>
+                <c:pt idx="20">
+                  <c:v>20.0</c:v>
+                </c:pt>
+                <c:pt idx="21">
+                  <c:v>21.0</c:v>
+                </c:pt>
+                <c:pt idx="22">
+                  <c:v>22.0</c:v>
+                </c:pt>
+                <c:pt idx="23">
+                  <c:v>23.0</c:v>
+                </c:pt>
+                <c:pt idx="24">
+                  <c:v>24.0</c:v>
+                </c:pt>
+                <c:pt idx="25">
+                  <c:v>25.0</c:v>
+                </c:pt>
+                <c:pt idx="26">
+                  <c:v>26.0</c:v>
+                </c:pt>
+                <c:pt idx="27">
+                  <c:v>27.0</c:v>
+                </c:pt>
+                <c:pt idx="28">
+                  <c:v>28.0</c:v>
+                </c:pt>
+                <c:pt idx="29">
+                  <c:v>29.0</c:v>
+                </c:pt>
+                <c:pt idx="30">
+                  <c:v>30.0</c:v>
+                </c:pt>
+                <c:pt idx="31">
+                  <c:v>31.0</c:v>
+                </c:pt>
+                <c:pt idx="32">
+                  <c:v>32.0</c:v>
+                </c:pt>
+                <c:pt idx="33">
+                  <c:v>33.0</c:v>
+                </c:pt>
+                <c:pt idx="34">
+                  <c:v>34.0</c:v>
+                </c:pt>
+                <c:pt idx="35">
+                  <c:v>35.0</c:v>
+                </c:pt>
+                <c:pt idx="36">
+                  <c:v>36.0</c:v>
+                </c:pt>
+                <c:pt idx="37">
+                  <c:v>37.0</c:v>
+                </c:pt>
+                <c:pt idx="38">
+                  <c:v>38.0</c:v>
+                </c:pt>
+                <c:pt idx="39">
+                  <c:v>39.0</c:v>
+                </c:pt>
+                <c:pt idx="40">
+                  <c:v>40.0</c:v>
+                </c:pt>
+                <c:pt idx="41">
+                  <c:v>41.0</c:v>
+                </c:pt>
+                <c:pt idx="42">
+                  <c:v>42.0</c:v>
+                </c:pt>
+                <c:pt idx="43">
+                  <c:v>43.0</c:v>
+                </c:pt>
+                <c:pt idx="44">
+                  <c:v>44.0</c:v>
+                </c:pt>
+                <c:pt idx="45">
+                  <c:v>45.0</c:v>
+                </c:pt>
+                <c:pt idx="46">
+                  <c:v>46.0</c:v>
+                </c:pt>
+                <c:pt idx="47">
+                  <c:v>47.0</c:v>
+                </c:pt>
+                <c:pt idx="48">
+                  <c:v>48.0</c:v>
+                </c:pt>
+                <c:pt idx="49">
+                  <c:v>49.0</c:v>
+                </c:pt>
+                <c:pt idx="50">
+                  <c:v>50.0</c:v>
+                </c:pt>
+                <c:pt idx="51">
+                  <c:v>51.0</c:v>
+                </c:pt>
+                <c:pt idx="52">
+                  <c:v>52.0</c:v>
+                </c:pt>
+                <c:pt idx="53">
+                  <c:v>53.0</c:v>
+                </c:pt>
+                <c:pt idx="54">
+                  <c:v>54.0</c:v>
+                </c:pt>
+                <c:pt idx="55">
+                  <c:v>55.0</c:v>
+                </c:pt>
+                <c:pt idx="56">
+                  <c:v>56.0</c:v>
+                </c:pt>
+                <c:pt idx="57">
+                  <c:v>57.0</c:v>
+                </c:pt>
+                <c:pt idx="58">
+                  <c:v>58.0</c:v>
+                </c:pt>
+                <c:pt idx="59">
+                  <c:v>59.0</c:v>
+                </c:pt>
+                <c:pt idx="60">
+                  <c:v>60.0</c:v>
+                </c:pt>
+                <c:pt idx="61">
+                  <c:v>61.0</c:v>
+                </c:pt>
+                <c:pt idx="62">
+                  <c:v>62.0</c:v>
+                </c:pt>
+                <c:pt idx="63">
+                  <c:v>63.0</c:v>
+                </c:pt>
+                <c:pt idx="64">
+                  <c:v>64.0</c:v>
+                </c:pt>
+                <c:pt idx="65">
+                  <c:v>65.0</c:v>
+                </c:pt>
+                <c:pt idx="66">
+                  <c:v>66.0</c:v>
+                </c:pt>
+                <c:pt idx="67">
+                  <c:v>67.0</c:v>
+                </c:pt>
+                <c:pt idx="68">
+                  <c:v>68.0</c:v>
+                </c:pt>
+                <c:pt idx="69">
+                  <c:v>69.0</c:v>
+                </c:pt>
+                <c:pt idx="70">
+                  <c:v>70.0</c:v>
+                </c:pt>
+                <c:pt idx="71">
+                  <c:v>71.0</c:v>
+                </c:pt>
+                <c:pt idx="72">
+                  <c:v>72.0</c:v>
+                </c:pt>
+                <c:pt idx="73">
+                  <c:v>73.0</c:v>
+                </c:pt>
+                <c:pt idx="74">
+                  <c:v>74.0</c:v>
+                </c:pt>
+                <c:pt idx="75">
+                  <c:v>75.0</c:v>
+                </c:pt>
+                <c:pt idx="76">
+                  <c:v>76.0</c:v>
+                </c:pt>
+                <c:pt idx="77">
+                  <c:v>77.0</c:v>
+                </c:pt>
+                <c:pt idx="78">
+                  <c:v>78.0</c:v>
+                </c:pt>
+                <c:pt idx="79">
+                  <c:v>79.0</c:v>
+                </c:pt>
+                <c:pt idx="80">
+                  <c:v>80.0</c:v>
+                </c:pt>
+                <c:pt idx="81">
+                  <c:v>81.0</c:v>
+                </c:pt>
+                <c:pt idx="82">
+                  <c:v>82.0</c:v>
+                </c:pt>
+                <c:pt idx="83">
+                  <c:v>83.0</c:v>
+                </c:pt>
+                <c:pt idx="84">
+                  <c:v>84.0</c:v>
+                </c:pt>
+                <c:pt idx="85">
+                  <c:v>85.0</c:v>
+                </c:pt>
+                <c:pt idx="86">
+                  <c:v>86.0</c:v>
+                </c:pt>
+                <c:pt idx="87">
+                  <c:v>87.0</c:v>
+                </c:pt>
+                <c:pt idx="88">
+                  <c:v>88.0</c:v>
+                </c:pt>
+                <c:pt idx="89">
+                  <c:v>89.0</c:v>
+                </c:pt>
+                <c:pt idx="90">
+                  <c:v>90.0</c:v>
+                </c:pt>
+                <c:pt idx="91">
+                  <c:v>91.0</c:v>
+                </c:pt>
+                <c:pt idx="92">
+                  <c:v>92.0</c:v>
+                </c:pt>
+                <c:pt idx="93">
+                  <c:v>93.0</c:v>
+                </c:pt>
+                <c:pt idx="94">
+                  <c:v>94.0</c:v>
+                </c:pt>
+                <c:pt idx="95">
+                  <c:v>95.0</c:v>
+                </c:pt>
+                <c:pt idx="96">
+                  <c:v>96.0</c:v>
+                </c:pt>
+                <c:pt idx="97">
+                  <c:v>97.0</c:v>
+                </c:pt>
+                <c:pt idx="98">
+                  <c:v>98.0</c:v>
+                </c:pt>
+                <c:pt idx="99">
+                  <c:v>99.0</c:v>
+                </c:pt>
+                <c:pt idx="100">
+                  <c:v>100.0</c:v>
+                </c:pt>
+                <c:pt idx="101">
+                  <c:v>101.0</c:v>
+                </c:pt>
+                <c:pt idx="102">
+                  <c:v>102.0</c:v>
+                </c:pt>
+                <c:pt idx="103">
+                  <c:v>103.0</c:v>
+                </c:pt>
+                <c:pt idx="104">
+                  <c:v>104.0</c:v>
+                </c:pt>
+                <c:pt idx="105">
+                  <c:v>105.0</c:v>
+                </c:pt>
+                <c:pt idx="106">
+                  <c:v>106.0</c:v>
+                </c:pt>
+                <c:pt idx="107">
+                  <c:v>107.0</c:v>
+                </c:pt>
+                <c:pt idx="108">
+                  <c:v>108.0</c:v>
+                </c:pt>
+                <c:pt idx="109">
+                  <c:v>109.0</c:v>
+                </c:pt>
+                <c:pt idx="110">
+                  <c:v>110.0</c:v>
+                </c:pt>
+                <c:pt idx="111">
+                  <c:v>111.0</c:v>
+                </c:pt>
+                <c:pt idx="112">
+                  <c:v>112.0</c:v>
+                </c:pt>
+                <c:pt idx="113">
+                  <c:v>113.0</c:v>
+                </c:pt>
+                <c:pt idx="114">
+                  <c:v>114.0</c:v>
+                </c:pt>
+                <c:pt idx="115">
+                  <c:v>115.0</c:v>
+                </c:pt>
+                <c:pt idx="116">
+                  <c:v>116.0</c:v>
+                </c:pt>
+                <c:pt idx="117">
+                  <c:v>117.0</c:v>
+                </c:pt>
+              </c:numCache>
+            </c:numRef>
+          </c:xVal>
+          <c:yVal>
+            <c:numRef>
+              <c:f>'sdh-70%'!$L$2:$L$120</c:f>
+              <c:numCache>
+                <c:formatCode>General</c:formatCode>
+                <c:ptCount val="119"/>
+                <c:pt idx="0">
+                  <c:v>0.0</c:v>
+                </c:pt>
+                <c:pt idx="1">
+                  <c:v>0.0</c:v>
+                </c:pt>
+                <c:pt idx="2">
+                  <c:v>5.527244217953744</c:v>
+                </c:pt>
+                <c:pt idx="3">
+                  <c:v>5.644845158761269</c:v>
+                </c:pt>
+                <c:pt idx="4">
+                  <c:v>5.644845158761269</c:v>
+                </c:pt>
+                <c:pt idx="5">
+                  <c:v>5.723245785966287</c:v>
+                </c:pt>
+                <c:pt idx="6">
+                  <c:v>5.801646413171305</c:v>
+                </c:pt>
+                <c:pt idx="7">
+                  <c:v>5.880047040376323</c:v>
+                </c:pt>
+                <c:pt idx="8">
+                  <c:v>5.880047040376323</c:v>
+                </c:pt>
+                <c:pt idx="9">
+                  <c:v>6.860054880439041</c:v>
+                </c:pt>
+                <c:pt idx="10">
+                  <c:v>7.840062720501763</c:v>
+                </c:pt>
+                <c:pt idx="11">
+                  <c:v>8.820070560564485</c:v>
+                </c:pt>
+                <c:pt idx="12">
+                  <c:v>9.408075264602115</c:v>
+                </c:pt>
+                <c:pt idx="13">
+                  <c:v>9.878479027832222</c:v>
+                </c:pt>
+                <c:pt idx="14">
+                  <c:v>10.85848686789494</c:v>
+                </c:pt>
+                <c:pt idx="15">
+                  <c:v>11.9952959623677</c:v>
+                </c:pt>
+                <c:pt idx="16">
+                  <c:v>12.07369658957272</c:v>
+                </c:pt>
+                <c:pt idx="17">
+                  <c:v>12.74010192081537</c:v>
+                </c:pt>
+                <c:pt idx="18">
+                  <c:v>12.74010192081537</c:v>
+                </c:pt>
+                <c:pt idx="19">
+                  <c:v>12.77930223441787</c:v>
+                </c:pt>
+                <c:pt idx="20">
+                  <c:v>10.03528028224226</c:v>
+                </c:pt>
+                <c:pt idx="21">
+                  <c:v>10.11368090944728</c:v>
+                </c:pt>
+                <c:pt idx="22">
+                  <c:v>10.1920815366523</c:v>
+                </c:pt>
+                <c:pt idx="23">
+                  <c:v>10.27048216385731</c:v>
+                </c:pt>
+                <c:pt idx="24">
+                  <c:v>10.34888279106233</c:v>
+                </c:pt>
+                <c:pt idx="25">
+                  <c:v>15.75852606820855</c:v>
+                </c:pt>
+                <c:pt idx="26">
+                  <c:v>20.50176401411211</c:v>
+                </c:pt>
+                <c:pt idx="27">
+                  <c:v>20.50176401411211</c:v>
+                </c:pt>
+                <c:pt idx="28">
+                  <c:v>20.58016464131713</c:v>
+                </c:pt>
+                <c:pt idx="29">
+                  <c:v>25.32340258722069</c:v>
+                </c:pt>
+                <c:pt idx="30">
+                  <c:v>25.40180321442572</c:v>
+                </c:pt>
+                <c:pt idx="31">
+                  <c:v>25.48020384163072</c:v>
+                </c:pt>
+                <c:pt idx="32">
+                  <c:v>25.55860446883575</c:v>
+                </c:pt>
+                <c:pt idx="33">
+                  <c:v>30.96824774598196</c:v>
+                </c:pt>
+                <c:pt idx="34">
+                  <c:v>31.00744805958448</c:v>
+                </c:pt>
+                <c:pt idx="35">
+                  <c:v>35.75068600548803</c:v>
+                </c:pt>
+                <c:pt idx="36">
+                  <c:v>36.73069384555076</c:v>
+                </c:pt>
+                <c:pt idx="37">
+                  <c:v>37.12269698157585</c:v>
+                </c:pt>
+                <c:pt idx="38">
+                  <c:v>37.20109760878087</c:v>
+                </c:pt>
+                <c:pt idx="39">
+                  <c:v>37.828302626421</c:v>
+                </c:pt>
+                <c:pt idx="40">
+                  <c:v>43.23794590356723</c:v>
+                </c:pt>
+                <c:pt idx="41">
+                  <c:v>48.64758918071344</c:v>
+                </c:pt>
+                <c:pt idx="42">
+                  <c:v>48.68678949431595</c:v>
+                </c:pt>
+                <c:pt idx="43">
+                  <c:v>48.72598980791847</c:v>
+                </c:pt>
+                <c:pt idx="44">
+                  <c:v>48.9611916895335</c:v>
+                </c:pt>
+                <c:pt idx="45">
+                  <c:v>49.11799294394355</c:v>
+                </c:pt>
+                <c:pt idx="46">
+                  <c:v>49.19639357114857</c:v>
+                </c:pt>
+                <c:pt idx="47">
+                  <c:v>49.3531948255586</c:v>
+                </c:pt>
+                <c:pt idx="48">
+                  <c:v>49.43159545276361</c:v>
+                </c:pt>
+                <c:pt idx="49">
+                  <c:v>49.50999607996864</c:v>
+                </c:pt>
+                <c:pt idx="50">
+                  <c:v>49.82359858878871</c:v>
+                </c:pt>
+                <c:pt idx="51">
+                  <c:v>49.82359858878871</c:v>
+                </c:pt>
+                <c:pt idx="52">
+                  <c:v>49.82359858878871</c:v>
+                </c:pt>
+                <c:pt idx="53">
+                  <c:v>49.82359858878871</c:v>
+                </c:pt>
+                <c:pt idx="54">
+                  <c:v>49.82359858878871</c:v>
+                </c:pt>
+                <c:pt idx="55">
+                  <c:v>49.82359858878871</c:v>
+                </c:pt>
+                <c:pt idx="56">
+                  <c:v>49.82359858878871</c:v>
+                </c:pt>
+                <c:pt idx="57">
+                  <c:v>49.82359858878871</c:v>
+                </c:pt>
+                <c:pt idx="58">
+                  <c:v>49.82359858878871</c:v>
+                </c:pt>
+                <c:pt idx="59">
+                  <c:v>49.82359858878871</c:v>
+                </c:pt>
+                <c:pt idx="60">
+                  <c:v>49.98039984319874</c:v>
+                </c:pt>
+                <c:pt idx="61">
+                  <c:v>50.05880047040375</c:v>
+                </c:pt>
+                <c:pt idx="62">
+                  <c:v>50.05880047040375</c:v>
+                </c:pt>
+                <c:pt idx="63">
+                  <c:v>50.05880047040375</c:v>
+                </c:pt>
+                <c:pt idx="64">
+                  <c:v>50.05880047040375</c:v>
+                </c:pt>
+                <c:pt idx="65">
+                  <c:v>50.05880047040375</c:v>
+                </c:pt>
+                <c:pt idx="66">
+                  <c:v>50.05880047040375</c:v>
+                </c:pt>
+                <c:pt idx="67">
+                  <c:v>50.05880047040375</c:v>
+                </c:pt>
+                <c:pt idx="68">
+                  <c:v>50.13720109760877</c:v>
+                </c:pt>
+                <c:pt idx="69">
+                  <c:v>50.13720109760877</c:v>
+                </c:pt>
+                <c:pt idx="70">
+                  <c:v>50.17640141121128</c:v>
+                </c:pt>
+                <c:pt idx="71">
+                  <c:v>50.2156017248138</c:v>
+                </c:pt>
+                <c:pt idx="72">
+                  <c:v>50.45080360642885</c:v>
+                </c:pt>
+                <c:pt idx="73">
+                  <c:v>50.6860054880439</c:v>
+                </c:pt>
+                <c:pt idx="74">
+                  <c:v>50.88200705605644</c:v>
+                </c:pt>
+                <c:pt idx="75">
+                  <c:v>50.92120736965895</c:v>
+                </c:pt>
+                <c:pt idx="76">
+                  <c:v>50.96040768326146</c:v>
+                </c:pt>
+                <c:pt idx="77">
+                  <c:v>50.99960799686397</c:v>
+                </c:pt>
+                <c:pt idx="78">
+                  <c:v>51.078008624069</c:v>
+                </c:pt>
+                <c:pt idx="79">
+                  <c:v>51.156409251274</c:v>
+                </c:pt>
+                <c:pt idx="80">
+                  <c:v>51.19560956487652</c:v>
+                </c:pt>
+                <c:pt idx="81">
+                  <c:v>51.23480987847902</c:v>
+                </c:pt>
+                <c:pt idx="82">
+                  <c:v>51.27401019208153</c:v>
+                </c:pt>
+                <c:pt idx="83">
+                  <c:v>51.31321050568404</c:v>
+                </c:pt>
+                <c:pt idx="84">
+                  <c:v>51.35241081928654</c:v>
+                </c:pt>
+                <c:pt idx="85">
+                  <c:v>51.43081144649157</c:v>
+                </c:pt>
+                <c:pt idx="86">
+                  <c:v>51.43081144649157</c:v>
+                </c:pt>
+                <c:pt idx="87">
+                  <c:v>51.47001176009407</c:v>
+                </c:pt>
+                <c:pt idx="88">
+                  <c:v>51.50921207369658</c:v>
+                </c:pt>
+                <c:pt idx="89">
+                  <c:v>51.5484123872991</c:v>
+                </c:pt>
+                <c:pt idx="90">
+                  <c:v>51.62681301450411</c:v>
+                </c:pt>
+                <c:pt idx="91">
+                  <c:v>51.66601332810662</c:v>
+                </c:pt>
+                <c:pt idx="92">
+                  <c:v>51.70521364170913</c:v>
+                </c:pt>
+                <c:pt idx="93">
+                  <c:v>51.78361426891415</c:v>
+                </c:pt>
+                <c:pt idx="94">
+                  <c:v>51.82281458251665</c:v>
+                </c:pt>
+                <c:pt idx="95">
+                  <c:v>56.60525284202274</c:v>
+                </c:pt>
+                <c:pt idx="96">
+                  <c:v>62.05409643277145</c:v>
+                </c:pt>
+                <c:pt idx="97">
+                  <c:v>62.40689925519403</c:v>
+                </c:pt>
+                <c:pt idx="98">
+                  <c:v>62.52450019600157</c:v>
+                </c:pt>
+                <c:pt idx="99">
+                  <c:v>62.87730301842415</c:v>
+                </c:pt>
+                <c:pt idx="100">
+                  <c:v>63.23010584084673</c:v>
+                </c:pt>
+                <c:pt idx="101">
+                  <c:v>63.26930615444923</c:v>
+                </c:pt>
+                <c:pt idx="102">
+                  <c:v>63.34770678165424</c:v>
+                </c:pt>
+                <c:pt idx="103">
+                  <c:v>63.38690709525675</c:v>
+                </c:pt>
+                <c:pt idx="104">
+                  <c:v>63.38690709525675</c:v>
+                </c:pt>
+                <c:pt idx="105">
+                  <c:v>63.42610740885927</c:v>
+                </c:pt>
+                <c:pt idx="106">
+                  <c:v>68.83575068600548</c:v>
+                </c:pt>
+                <c:pt idx="107">
+                  <c:v>69.81575852606819</c:v>
+                </c:pt>
+                <c:pt idx="108">
+                  <c:v>69.8549588396707</c:v>
+                </c:pt>
+                <c:pt idx="109">
+                  <c:v>75.26460211681692</c:v>
+                </c:pt>
+                <c:pt idx="110">
+                  <c:v>80.67424539396315</c:v>
+                </c:pt>
+                <c:pt idx="111">
+                  <c:v>80.75264602116817</c:v>
+                </c:pt>
+                <c:pt idx="112">
+                  <c:v>80.8310466483732</c:v>
+                </c:pt>
+                <c:pt idx="113">
+                  <c:v>80.9094472755782</c:v>
+                </c:pt>
+                <c:pt idx="114">
+                  <c:v>80.9094472755782</c:v>
+                </c:pt>
+                <c:pt idx="115">
+                  <c:v>80.9486475891807</c:v>
+                </c:pt>
+                <c:pt idx="116">
+                  <c:v>85.69188553508427</c:v>
+                </c:pt>
+                <c:pt idx="117">
+                  <c:v>90.43512348098788</c:v>
+                </c:pt>
+              </c:numCache>
+            </c:numRef>
+          </c:yVal>
+          <c:smooth val="1"/>
+        </c:ser>
+        <c:ser>
+          <c:idx val="3"/>
           <c:order val="2"/>
           <c:tx>
             <c:strRef>
@@ -1010,11 +1198,11 @@
             </c:strRef>
           </c:tx>
           <c:spPr>
-            <a:ln w="12700" cmpd="sng">
+            <a:ln w="19050" cmpd="sng">
               <a:solidFill>
-                <a:sysClr val="windowText" lastClr="000000"/>
+                <a:srgbClr val="000000"/>
               </a:solidFill>
-              <a:prstDash val="dot"/>
+              <a:prstDash val="lgDashDot"/>
             </a:ln>
           </c:spPr>
           <c:marker>
@@ -1242,6 +1430,114 @@
                 <c:pt idx="71">
                   <c:v>71.0</c:v>
                 </c:pt>
+                <c:pt idx="72">
+                  <c:v>72.0</c:v>
+                </c:pt>
+                <c:pt idx="73">
+                  <c:v>73.0</c:v>
+                </c:pt>
+                <c:pt idx="74">
+                  <c:v>74.0</c:v>
+                </c:pt>
+                <c:pt idx="75">
+                  <c:v>75.0</c:v>
+                </c:pt>
+                <c:pt idx="76">
+                  <c:v>76.0</c:v>
+                </c:pt>
+                <c:pt idx="77">
+                  <c:v>77.0</c:v>
+                </c:pt>
+                <c:pt idx="78">
+                  <c:v>78.0</c:v>
+                </c:pt>
+                <c:pt idx="79">
+                  <c:v>79.0</c:v>
+                </c:pt>
+                <c:pt idx="80">
+                  <c:v>80.0</c:v>
+                </c:pt>
+                <c:pt idx="81">
+                  <c:v>81.0</c:v>
+                </c:pt>
+                <c:pt idx="82">
+                  <c:v>82.0</c:v>
+                </c:pt>
+                <c:pt idx="83">
+                  <c:v>83.0</c:v>
+                </c:pt>
+                <c:pt idx="84">
+                  <c:v>84.0</c:v>
+                </c:pt>
+                <c:pt idx="85">
+                  <c:v>85.0</c:v>
+                </c:pt>
+                <c:pt idx="86">
+                  <c:v>86.0</c:v>
+                </c:pt>
+                <c:pt idx="87">
+                  <c:v>87.0</c:v>
+                </c:pt>
+                <c:pt idx="88">
+                  <c:v>88.0</c:v>
+                </c:pt>
+                <c:pt idx="89">
+                  <c:v>89.0</c:v>
+                </c:pt>
+                <c:pt idx="90">
+                  <c:v>90.0</c:v>
+                </c:pt>
+                <c:pt idx="91">
+                  <c:v>91.0</c:v>
+                </c:pt>
+                <c:pt idx="92">
+                  <c:v>92.0</c:v>
+                </c:pt>
+                <c:pt idx="93">
+                  <c:v>93.0</c:v>
+                </c:pt>
+                <c:pt idx="94">
+                  <c:v>94.0</c:v>
+                </c:pt>
+                <c:pt idx="95">
+                  <c:v>95.0</c:v>
+                </c:pt>
+                <c:pt idx="96">
+                  <c:v>96.0</c:v>
+                </c:pt>
+                <c:pt idx="97">
+                  <c:v>97.0</c:v>
+                </c:pt>
+                <c:pt idx="98">
+                  <c:v>98.0</c:v>
+                </c:pt>
+                <c:pt idx="99">
+                  <c:v>99.0</c:v>
+                </c:pt>
+                <c:pt idx="100">
+                  <c:v>100.0</c:v>
+                </c:pt>
+                <c:pt idx="101">
+                  <c:v>101.0</c:v>
+                </c:pt>
+                <c:pt idx="102">
+                  <c:v>102.0</c:v>
+                </c:pt>
+                <c:pt idx="103">
+                  <c:v>103.0</c:v>
+                </c:pt>
+                <c:pt idx="104">
+                  <c:v>104.0</c:v>
+                </c:pt>
+                <c:pt idx="105">
+                  <c:v>105.0</c:v>
+                </c:pt>
+                <c:pt idx="106">
+                  <c:v>106.0</c:v>
+                </c:pt>
+                <c:pt idx="107">
+                  <c:v>107.0</c:v>
+                </c:pt>
               </c:numCache>
             </c:numRef>
           </c:xVal>
@@ -1261,211 +1557,1695 @@
                   <c:v>5.527244217953744</c:v>
                 </c:pt>
                 <c:pt idx="3">
+                  <c:v>5.56644453155625</c:v>
+                </c:pt>
+                <c:pt idx="4">
+                  <c:v>6.546452371618972</c:v>
+                </c:pt>
+                <c:pt idx="5">
+                  <c:v>7.64406115248922</c:v>
+                </c:pt>
+                <c:pt idx="6">
+                  <c:v>7.722461779694237</c:v>
+                </c:pt>
+                <c:pt idx="7">
+                  <c:v>7.761662093296747</c:v>
+                </c:pt>
+                <c:pt idx="8">
+                  <c:v>7.840062720501763</c:v>
+                </c:pt>
+                <c:pt idx="9">
+                  <c:v>7.95766366130929</c:v>
+                </c:pt>
+                <c:pt idx="10">
+                  <c:v>7.9968639749118</c:v>
+                </c:pt>
+                <c:pt idx="11">
+                  <c:v>8.036064288514308</c:v>
+                </c:pt>
+                <c:pt idx="12">
+                  <c:v>8.153665229321834</c:v>
+                </c:pt>
+                <c:pt idx="13">
+                  <c:v>8.192865542924344</c:v>
+                </c:pt>
+                <c:pt idx="14">
+                  <c:v>8.192865542924344</c:v>
+                </c:pt>
+                <c:pt idx="15">
+                  <c:v>8.232065856526851</c:v>
+                </c:pt>
+                <c:pt idx="16">
+                  <c:v>8.937671501372009</c:v>
+                </c:pt>
+                <c:pt idx="17">
+                  <c:v>9.094472755782046</c:v>
+                </c:pt>
+                <c:pt idx="18">
+                  <c:v>9.25127401019208</c:v>
+                </c:pt>
+                <c:pt idx="19">
+                  <c:v>9.290474323794591</c:v>
+                </c:pt>
+                <c:pt idx="20">
+                  <c:v>9.447275578204625</c:v>
+                </c:pt>
+                <c:pt idx="21">
+                  <c:v>9.486475891807136</c:v>
+                </c:pt>
+                <c:pt idx="22">
+                  <c:v>9.52567620540964</c:v>
+                </c:pt>
+                <c:pt idx="23">
+                  <c:v>9.564876519012152</c:v>
+                </c:pt>
+                <c:pt idx="24">
+                  <c:v>9.682477459819677</c:v>
+                </c:pt>
+                <c:pt idx="25">
+                  <c:v>9.760878087024697</c:v>
+                </c:pt>
+                <c:pt idx="26">
+                  <c:v>25.3626029008232</c:v>
+                </c:pt>
+                <c:pt idx="27">
+                  <c:v>25.44100352802823</c:v>
+                </c:pt>
+                <c:pt idx="28">
+                  <c:v>25.75460603684829</c:v>
+                </c:pt>
+                <c:pt idx="29">
+                  <c:v>32.30105840846726</c:v>
+                </c:pt>
+                <c:pt idx="30">
+                  <c:v>32.4186593492748</c:v>
+                </c:pt>
+                <c:pt idx="31">
+                  <c:v>32.53626029008232</c:v>
+                </c:pt>
+                <c:pt idx="32">
+                  <c:v>32.57546060368482</c:v>
+                </c:pt>
+                <c:pt idx="33">
+                  <c:v>37.98510388083104</c:v>
+                </c:pt>
+                <c:pt idx="34">
+                  <c:v>38.6123088984712</c:v>
+                </c:pt>
+                <c:pt idx="35">
+                  <c:v>44.0219521756174</c:v>
+                </c:pt>
+                <c:pt idx="36">
+                  <c:v>46.37397099176793</c:v>
+                </c:pt>
+                <c:pt idx="37">
+                  <c:v>46.37397099176793</c:v>
+                </c:pt>
+                <c:pt idx="38">
+                  <c:v>47.00117600940808</c:v>
+                </c:pt>
+                <c:pt idx="39">
+                  <c:v>47.04037632301058</c:v>
+                </c:pt>
+                <c:pt idx="40">
+                  <c:v>47.27557820462563</c:v>
+                </c:pt>
+                <c:pt idx="41">
+                  <c:v>47.31477851822815</c:v>
+                </c:pt>
+                <c:pt idx="42">
+                  <c:v>47.39317914543317</c:v>
+                </c:pt>
+                <c:pt idx="43">
+                  <c:v>47.47157977263817</c:v>
+                </c:pt>
+                <c:pt idx="44">
+                  <c:v>47.54998039984319</c:v>
+                </c:pt>
+                <c:pt idx="45">
+                  <c:v>48.0203841630733</c:v>
+                </c:pt>
+                <c:pt idx="46">
+                  <c:v>48.09878479027832</c:v>
+                </c:pt>
+                <c:pt idx="47">
+                  <c:v>53.50842806742454</c:v>
+                </c:pt>
+                <c:pt idx="48">
+                  <c:v>53.58682869462955</c:v>
+                </c:pt>
+                <c:pt idx="49">
+                  <c:v>53.66522932183457</c:v>
+                </c:pt>
+                <c:pt idx="50">
+                  <c:v>53.70442963543707</c:v>
+                </c:pt>
+                <c:pt idx="51">
+                  <c:v>53.78283026264209</c:v>
+                </c:pt>
+                <c:pt idx="52">
+                  <c:v>53.86123088984711</c:v>
+                </c:pt>
+                <c:pt idx="53">
+                  <c:v>53.90043120344962</c:v>
+                </c:pt>
+                <c:pt idx="54">
+                  <c:v>54.37083496667973</c:v>
+                </c:pt>
+                <c:pt idx="55">
+                  <c:v>54.41003528028224</c:v>
+                </c:pt>
+                <c:pt idx="56">
+                  <c:v>54.44923559388475</c:v>
+                </c:pt>
+                <c:pt idx="57">
+                  <c:v>54.44923559388475</c:v>
+                </c:pt>
+                <c:pt idx="58">
+                  <c:v>54.48843590748726</c:v>
+                </c:pt>
+                <c:pt idx="59">
+                  <c:v>54.52763622108977</c:v>
+                </c:pt>
+                <c:pt idx="60">
+                  <c:v>59.27087416699334</c:v>
+                </c:pt>
+                <c:pt idx="61">
+                  <c:v>60.25088200705605</c:v>
+                </c:pt>
+                <c:pt idx="62">
+                  <c:v>60.32928263426108</c:v>
+                </c:pt>
+                <c:pt idx="63">
+                  <c:v>60.44688357506858</c:v>
+                </c:pt>
+                <c:pt idx="64">
+                  <c:v>60.4860838886711</c:v>
+                </c:pt>
+                <c:pt idx="65">
+                  <c:v>60.52528420227362</c:v>
+                </c:pt>
+                <c:pt idx="66">
+                  <c:v>60.56448451587611</c:v>
+                </c:pt>
+                <c:pt idx="67">
+                  <c:v>60.60368482947864</c:v>
+                </c:pt>
+                <c:pt idx="68">
+                  <c:v>66.01332810662483</c:v>
+                </c:pt>
+                <c:pt idx="69">
+                  <c:v>66.05252842022736</c:v>
+                </c:pt>
+                <c:pt idx="70">
+                  <c:v>66.52293218345744</c:v>
+                </c:pt>
+                <c:pt idx="71">
+                  <c:v>66.60133281066246</c:v>
+                </c:pt>
+                <c:pt idx="72">
+                  <c:v>66.67973343786748</c:v>
+                </c:pt>
+                <c:pt idx="73">
+                  <c:v>66.71893375147001</c:v>
+                </c:pt>
+                <c:pt idx="74">
+                  <c:v>71.10936887495097</c:v>
+                </c:pt>
+                <c:pt idx="75">
+                  <c:v>71.46217169737357</c:v>
+                </c:pt>
+                <c:pt idx="76">
+                  <c:v>72.67738141905133</c:v>
+                </c:pt>
+                <c:pt idx="77">
+                  <c:v>72.75578204625634</c:v>
+                </c:pt>
+                <c:pt idx="78">
+                  <c:v>73.18698549588396</c:v>
+                </c:pt>
+                <c:pt idx="79">
+                  <c:v>78.59662877303018</c:v>
+                </c:pt>
+                <c:pt idx="80">
+                  <c:v>83.33986671893375</c:v>
+                </c:pt>
+                <c:pt idx="81">
+                  <c:v>83.33986671893375</c:v>
+                </c:pt>
+                <c:pt idx="82">
+                  <c:v>83.33986671893375</c:v>
+                </c:pt>
+                <c:pt idx="83">
+                  <c:v>83.18306546452371</c:v>
+                </c:pt>
+                <c:pt idx="84">
+                  <c:v>84.35907487259895</c:v>
+                </c:pt>
+                <c:pt idx="85">
+                  <c:v>84.55507644061151</c:v>
+                </c:pt>
+                <c:pt idx="86">
+                  <c:v>84.63347706781653</c:v>
+                </c:pt>
+                <c:pt idx="87">
+                  <c:v>85.29988239905917</c:v>
+                </c:pt>
+                <c:pt idx="88">
+                  <c:v>85.3782830262642</c:v>
+                </c:pt>
+                <c:pt idx="89">
+                  <c:v>85.45668365346923</c:v>
+                </c:pt>
+                <c:pt idx="90">
+                  <c:v>86.43669149353195</c:v>
+                </c:pt>
+                <c:pt idx="91">
+                  <c:v>86.671893375147</c:v>
+                </c:pt>
+                <c:pt idx="92">
+                  <c:v>87.06389651117208</c:v>
+                </c:pt>
+                <c:pt idx="93">
+                  <c:v>87.10309682477458</c:v>
+                </c:pt>
+                <c:pt idx="94">
+                  <c:v>87.1422971383771</c:v>
+                </c:pt>
+                <c:pt idx="95">
+                  <c:v>87.22069776558213</c:v>
+                </c:pt>
+                <c:pt idx="96">
+                  <c:v>87.29909839278713</c:v>
+                </c:pt>
+                <c:pt idx="97">
+                  <c:v>87.29909839278713</c:v>
+                </c:pt>
+                <c:pt idx="98">
+                  <c:v>87.33829870638964</c:v>
+                </c:pt>
+                <c:pt idx="99">
+                  <c:v>87.37749901999215</c:v>
+                </c:pt>
+                <c:pt idx="100">
+                  <c:v>88.31830654645236</c:v>
+                </c:pt>
+                <c:pt idx="101">
+                  <c:v>88.39670717365736</c:v>
+                </c:pt>
+                <c:pt idx="102">
+                  <c:v>88.39670717365736</c:v>
+                </c:pt>
+                <c:pt idx="103">
+                  <c:v>88.55350842806743</c:v>
+                </c:pt>
+                <c:pt idx="104">
+                  <c:v>88.55350842806743</c:v>
+                </c:pt>
+                <c:pt idx="105">
+                  <c:v>88.71030968247747</c:v>
+                </c:pt>
+                <c:pt idx="106">
+                  <c:v>88.71030968247747</c:v>
+                </c:pt>
+                <c:pt idx="107">
+                  <c:v>88.71030968247747</c:v>
+                </c:pt>
+              </c:numCache>
+            </c:numRef>
+          </c:yVal>
+          <c:smooth val="1"/>
+        </c:ser>
+        <c:ser>
+          <c:idx val="0"/>
+          <c:order val="3"/>
+          <c:tx>
+            <c:strRef>
+              <c:f>'sdh-70%'!$AF$1</c:f>
+              <c:strCache>
+                <c:ptCount val="1"/>
+                <c:pt idx="0">
+                  <c:v>Self Correcting</c:v>
+                </c:pt>
+              </c:strCache>
+            </c:strRef>
+          </c:tx>
+          <c:spPr>
+            <a:ln w="19050" cmpd="sng">
+              <a:solidFill>
+                <a:srgbClr val="008000"/>
+              </a:solidFill>
+              <a:prstDash val="dot"/>
+            </a:ln>
+          </c:spPr>
+          <c:marker>
+            <c:symbol val="none"/>
+          </c:marker>
+          <c:xVal>
+            <c:strRef>
+              <c:f>'[active learning.xlsx]sdh-70%'!$AE:$AE</c:f>
+              <c:strCache>
+                <c:ptCount val="222"/>
+                <c:pt idx="0">
+                  <c:v>Example id</c:v>
+                </c:pt>
+                <c:pt idx="1">
+                  <c:v>0</c:v>
+                </c:pt>
+                <c:pt idx="2">
+                  <c:v>1</c:v>
+                </c:pt>
+                <c:pt idx="3">
+                  <c:v>2</c:v>
+                </c:pt>
+                <c:pt idx="4">
+                  <c:v>3</c:v>
+                </c:pt>
+                <c:pt idx="5">
+                  <c:v>4</c:v>
+                </c:pt>
+                <c:pt idx="6">
+                  <c:v>5</c:v>
+                </c:pt>
+                <c:pt idx="7">
+                  <c:v>6</c:v>
+                </c:pt>
+                <c:pt idx="8">
+                  <c:v>7</c:v>
+                </c:pt>
+                <c:pt idx="9">
+                  <c:v>8</c:v>
+                </c:pt>
+                <c:pt idx="10">
+                  <c:v>9</c:v>
+                </c:pt>
+                <c:pt idx="11">
+                  <c:v>10</c:v>
+                </c:pt>
+                <c:pt idx="12">
+                  <c:v>11</c:v>
+                </c:pt>
+                <c:pt idx="13">
+                  <c:v>12</c:v>
+                </c:pt>
+                <c:pt idx="14">
+                  <c:v>13</c:v>
+                </c:pt>
+                <c:pt idx="15">
+                  <c:v>14</c:v>
+                </c:pt>
+                <c:pt idx="16">
+                  <c:v>15</c:v>
+                </c:pt>
+                <c:pt idx="17">
+                  <c:v>16</c:v>
+                </c:pt>
+                <c:pt idx="18">
+                  <c:v>17</c:v>
+                </c:pt>
+                <c:pt idx="19">
+                  <c:v>18</c:v>
+                </c:pt>
+                <c:pt idx="20">
+                  <c:v>19</c:v>
+                </c:pt>
+                <c:pt idx="21">
+                  <c:v>20</c:v>
+                </c:pt>
+                <c:pt idx="22">
+                  <c:v>21</c:v>
+                </c:pt>
+                <c:pt idx="23">
+                  <c:v>22</c:v>
+                </c:pt>
+                <c:pt idx="24">
+                  <c:v>23</c:v>
+                </c:pt>
+                <c:pt idx="25">
+                  <c:v>24</c:v>
+                </c:pt>
+                <c:pt idx="26">
+                  <c:v>25</c:v>
+                </c:pt>
+                <c:pt idx="27">
+                  <c:v>26</c:v>
+                </c:pt>
+                <c:pt idx="28">
+                  <c:v>27</c:v>
+                </c:pt>
+                <c:pt idx="29">
+                  <c:v>28</c:v>
+                </c:pt>
+                <c:pt idx="30">
+                  <c:v>29</c:v>
+                </c:pt>
+                <c:pt idx="31">
+                  <c:v>30</c:v>
+                </c:pt>
+                <c:pt idx="32">
+                  <c:v>31</c:v>
+                </c:pt>
+                <c:pt idx="33">
+                  <c:v>32</c:v>
+                </c:pt>
+                <c:pt idx="34">
+                  <c:v>33</c:v>
+                </c:pt>
+                <c:pt idx="35">
+                  <c:v>34</c:v>
+                </c:pt>
+                <c:pt idx="36">
+                  <c:v>35</c:v>
+                </c:pt>
+                <c:pt idx="37">
+                  <c:v>36</c:v>
+                </c:pt>
+                <c:pt idx="38">
+                  <c:v>37</c:v>
+                </c:pt>
+                <c:pt idx="39">
+                  <c:v>38</c:v>
+                </c:pt>
+                <c:pt idx="40">
+                  <c:v>39</c:v>
+                </c:pt>
+                <c:pt idx="41">
+                  <c:v>40</c:v>
+                </c:pt>
+                <c:pt idx="42">
+                  <c:v>41</c:v>
+                </c:pt>
+                <c:pt idx="43">
+                  <c:v>42</c:v>
+                </c:pt>
+                <c:pt idx="44">
+                  <c:v>43</c:v>
+                </c:pt>
+                <c:pt idx="45">
+                  <c:v>44</c:v>
+                </c:pt>
+                <c:pt idx="46">
+                  <c:v>45</c:v>
+                </c:pt>
+                <c:pt idx="47">
+                  <c:v>46</c:v>
+                </c:pt>
+                <c:pt idx="48">
+                  <c:v>47</c:v>
+                </c:pt>
+                <c:pt idx="49">
+                  <c:v>48</c:v>
+                </c:pt>
+                <c:pt idx="50">
+                  <c:v>49</c:v>
+                </c:pt>
+                <c:pt idx="51">
+                  <c:v>50</c:v>
+                </c:pt>
+                <c:pt idx="52">
+                  <c:v>51</c:v>
+                </c:pt>
+                <c:pt idx="53">
+                  <c:v>52</c:v>
+                </c:pt>
+                <c:pt idx="54">
+                  <c:v>53</c:v>
+                </c:pt>
+                <c:pt idx="55">
+                  <c:v>54</c:v>
+                </c:pt>
+                <c:pt idx="56">
+                  <c:v>55</c:v>
+                </c:pt>
+                <c:pt idx="57">
+                  <c:v>56</c:v>
+                </c:pt>
+                <c:pt idx="58">
+                  <c:v>57</c:v>
+                </c:pt>
+                <c:pt idx="59">
+                  <c:v>58</c:v>
+                </c:pt>
+                <c:pt idx="60">
+                  <c:v>59</c:v>
+                </c:pt>
+                <c:pt idx="61">
+                  <c:v>60</c:v>
+                </c:pt>
+                <c:pt idx="62">
+                  <c:v>61</c:v>
+                </c:pt>
+                <c:pt idx="63">
+                  <c:v>62</c:v>
+                </c:pt>
+                <c:pt idx="64">
+                  <c:v>63</c:v>
+                </c:pt>
+                <c:pt idx="65">
+                  <c:v>64</c:v>
+                </c:pt>
+                <c:pt idx="66">
+                  <c:v>65</c:v>
+                </c:pt>
+                <c:pt idx="67">
+                  <c:v>66</c:v>
+                </c:pt>
+                <c:pt idx="68">
+                  <c:v>67</c:v>
+                </c:pt>
+                <c:pt idx="69">
+                  <c:v>68</c:v>
+                </c:pt>
+                <c:pt idx="70">
+                  <c:v>69</c:v>
+                </c:pt>
+                <c:pt idx="71">
+                  <c:v>70</c:v>
+                </c:pt>
+                <c:pt idx="72">
+                  <c:v>71</c:v>
+                </c:pt>
+                <c:pt idx="73">
+                  <c:v>72</c:v>
+                </c:pt>
+                <c:pt idx="74">
+                  <c:v>73</c:v>
+                </c:pt>
+                <c:pt idx="75">
+                  <c:v>74</c:v>
+                </c:pt>
+                <c:pt idx="76">
+                  <c:v>75</c:v>
+                </c:pt>
+                <c:pt idx="77">
+                  <c:v>76</c:v>
+                </c:pt>
+                <c:pt idx="78">
+                  <c:v>77</c:v>
+                </c:pt>
+                <c:pt idx="79">
+                  <c:v>78</c:v>
+                </c:pt>
+                <c:pt idx="80">
+                  <c:v>79</c:v>
+                </c:pt>
+                <c:pt idx="81">
+                  <c:v>80</c:v>
+                </c:pt>
+                <c:pt idx="82">
+                  <c:v>81</c:v>
+                </c:pt>
+                <c:pt idx="83">
+                  <c:v>82</c:v>
+                </c:pt>
+                <c:pt idx="84">
+                  <c:v>83</c:v>
+                </c:pt>
+                <c:pt idx="85">
+                  <c:v>84</c:v>
+                </c:pt>
+                <c:pt idx="86">
+                  <c:v>85</c:v>
+                </c:pt>
+                <c:pt idx="87">
+                  <c:v>86</c:v>
+                </c:pt>
+                <c:pt idx="88">
+                  <c:v>87</c:v>
+                </c:pt>
+                <c:pt idx="89">
+                  <c:v>88</c:v>
+                </c:pt>
+                <c:pt idx="90">
+                  <c:v>89</c:v>
+                </c:pt>
+                <c:pt idx="91">
+                  <c:v>90</c:v>
+                </c:pt>
+                <c:pt idx="92">
+                  <c:v>91</c:v>
+                </c:pt>
+                <c:pt idx="93">
+                  <c:v>92</c:v>
+                </c:pt>
+                <c:pt idx="94">
+                  <c:v>93</c:v>
+                </c:pt>
+                <c:pt idx="95">
+                  <c:v>94</c:v>
+                </c:pt>
+                <c:pt idx="96">
+                  <c:v>95</c:v>
+                </c:pt>
+                <c:pt idx="97">
+                  <c:v>96</c:v>
+                </c:pt>
+                <c:pt idx="98">
+                  <c:v>97</c:v>
+                </c:pt>
+                <c:pt idx="99">
+                  <c:v>98</c:v>
+                </c:pt>
+                <c:pt idx="100">
+                  <c:v>99</c:v>
+                </c:pt>
+                <c:pt idx="101">
+                  <c:v>100</c:v>
+                </c:pt>
+                <c:pt idx="102">
+                  <c:v>101</c:v>
+                </c:pt>
+                <c:pt idx="103">
+                  <c:v>102</c:v>
+                </c:pt>
+                <c:pt idx="104">
+                  <c:v>103</c:v>
+                </c:pt>
+                <c:pt idx="105">
+                  <c:v>104</c:v>
+                </c:pt>
+                <c:pt idx="106">
+                  <c:v>105</c:v>
+                </c:pt>
+                <c:pt idx="107">
+                  <c:v>106</c:v>
+                </c:pt>
+                <c:pt idx="108">
+                  <c:v>107</c:v>
+                </c:pt>
+                <c:pt idx="109">
+                  <c:v>108</c:v>
+                </c:pt>
+                <c:pt idx="110">
+                  <c:v>109</c:v>
+                </c:pt>
+                <c:pt idx="111">
+                  <c:v>110</c:v>
+                </c:pt>
+                <c:pt idx="112">
+                  <c:v>111</c:v>
+                </c:pt>
+                <c:pt idx="113">
+                  <c:v>112</c:v>
+                </c:pt>
+                <c:pt idx="114">
+                  <c:v>113</c:v>
+                </c:pt>
+                <c:pt idx="115">
+                  <c:v>114</c:v>
+                </c:pt>
+                <c:pt idx="116">
+                  <c:v>115</c:v>
+                </c:pt>
+                <c:pt idx="117">
+                  <c:v>116</c:v>
+                </c:pt>
+                <c:pt idx="118">
+                  <c:v>117</c:v>
+                </c:pt>
+                <c:pt idx="119">
+                  <c:v>118</c:v>
+                </c:pt>
+                <c:pt idx="120">
+                  <c:v>119</c:v>
+                </c:pt>
+                <c:pt idx="121">
+                  <c:v>120</c:v>
+                </c:pt>
+                <c:pt idx="122">
+                  <c:v>121</c:v>
+                </c:pt>
+                <c:pt idx="123">
+                  <c:v>122</c:v>
+                </c:pt>
+                <c:pt idx="124">
+                  <c:v>123</c:v>
+                </c:pt>
+                <c:pt idx="125">
+                  <c:v>124</c:v>
+                </c:pt>
+                <c:pt idx="126">
+                  <c:v>125</c:v>
+                </c:pt>
+                <c:pt idx="127">
+                  <c:v>126</c:v>
+                </c:pt>
+                <c:pt idx="128">
+                  <c:v>127</c:v>
+                </c:pt>
+                <c:pt idx="129">
+                  <c:v>128</c:v>
+                </c:pt>
+                <c:pt idx="130">
+                  <c:v>129</c:v>
+                </c:pt>
+                <c:pt idx="131">
+                  <c:v>130</c:v>
+                </c:pt>
+                <c:pt idx="132">
+                  <c:v>131</c:v>
+                </c:pt>
+                <c:pt idx="133">
+                  <c:v>132</c:v>
+                </c:pt>
+                <c:pt idx="134">
+                  <c:v>133</c:v>
+                </c:pt>
+                <c:pt idx="135">
+                  <c:v>134</c:v>
+                </c:pt>
+                <c:pt idx="136">
+                  <c:v>135</c:v>
+                </c:pt>
+                <c:pt idx="137">
+                  <c:v>136</c:v>
+                </c:pt>
+                <c:pt idx="138">
+                  <c:v>137</c:v>
+                </c:pt>
+                <c:pt idx="139">
+                  <c:v>138</c:v>
+                </c:pt>
+                <c:pt idx="140">
+                  <c:v>139</c:v>
+                </c:pt>
+                <c:pt idx="141">
+                  <c:v>140</c:v>
+                </c:pt>
+                <c:pt idx="142">
+                  <c:v>141</c:v>
+                </c:pt>
+                <c:pt idx="143">
+                  <c:v>142</c:v>
+                </c:pt>
+                <c:pt idx="144">
+                  <c:v>143</c:v>
+                </c:pt>
+                <c:pt idx="145">
+                  <c:v>144</c:v>
+                </c:pt>
+                <c:pt idx="146">
+                  <c:v>145</c:v>
+                </c:pt>
+                <c:pt idx="147">
+                  <c:v>146</c:v>
+                </c:pt>
+                <c:pt idx="148">
+                  <c:v>147</c:v>
+                </c:pt>
+                <c:pt idx="149">
+                  <c:v>148</c:v>
+                </c:pt>
+                <c:pt idx="150">
+                  <c:v>149</c:v>
+                </c:pt>
+                <c:pt idx="151">
+                  <c:v>150</c:v>
+                </c:pt>
+                <c:pt idx="152">
+                  <c:v>151</c:v>
+                </c:pt>
+                <c:pt idx="153">
+                  <c:v>152</c:v>
+                </c:pt>
+                <c:pt idx="154">
+                  <c:v>153</c:v>
+                </c:pt>
+                <c:pt idx="155">
+                  <c:v>154</c:v>
+                </c:pt>
+                <c:pt idx="156">
+                  <c:v>155</c:v>
+                </c:pt>
+                <c:pt idx="157">
+                  <c:v>156</c:v>
+                </c:pt>
+                <c:pt idx="158">
+                  <c:v>157</c:v>
+                </c:pt>
+                <c:pt idx="159">
+                  <c:v>158</c:v>
+                </c:pt>
+                <c:pt idx="160">
+                  <c:v>159</c:v>
+                </c:pt>
+                <c:pt idx="161">
+                  <c:v>160</c:v>
+                </c:pt>
+                <c:pt idx="162">
+                  <c:v>161</c:v>
+                </c:pt>
+                <c:pt idx="163">
+                  <c:v>162</c:v>
+                </c:pt>
+                <c:pt idx="164">
+                  <c:v>163</c:v>
+                </c:pt>
+                <c:pt idx="165">
+                  <c:v>164</c:v>
+                </c:pt>
+                <c:pt idx="166">
+                  <c:v>165</c:v>
+                </c:pt>
+                <c:pt idx="167">
+                  <c:v>166</c:v>
+                </c:pt>
+                <c:pt idx="168">
+                  <c:v>167</c:v>
+                </c:pt>
+                <c:pt idx="169">
+                  <c:v>168</c:v>
+                </c:pt>
+                <c:pt idx="170">
+                  <c:v>169</c:v>
+                </c:pt>
+                <c:pt idx="171">
+                  <c:v>170</c:v>
+                </c:pt>
+                <c:pt idx="172">
+                  <c:v>171</c:v>
+                </c:pt>
+                <c:pt idx="173">
+                  <c:v>172</c:v>
+                </c:pt>
+                <c:pt idx="174">
+                  <c:v>173</c:v>
+                </c:pt>
+                <c:pt idx="175">
+                  <c:v>174</c:v>
+                </c:pt>
+                <c:pt idx="176">
+                  <c:v>175</c:v>
+                </c:pt>
+                <c:pt idx="177">
+                  <c:v>176</c:v>
+                </c:pt>
+                <c:pt idx="178">
+                  <c:v>177</c:v>
+                </c:pt>
+                <c:pt idx="179">
+                  <c:v>178</c:v>
+                </c:pt>
+                <c:pt idx="180">
+                  <c:v>179</c:v>
+                </c:pt>
+                <c:pt idx="181">
+                  <c:v>180</c:v>
+                </c:pt>
+                <c:pt idx="182">
+                  <c:v>181</c:v>
+                </c:pt>
+                <c:pt idx="183">
+                  <c:v>182</c:v>
+                </c:pt>
+                <c:pt idx="184">
+                  <c:v>183</c:v>
+                </c:pt>
+                <c:pt idx="185">
+                  <c:v>184</c:v>
+                </c:pt>
+                <c:pt idx="186">
+                  <c:v>185</c:v>
+                </c:pt>
+                <c:pt idx="187">
+                  <c:v>186</c:v>
+                </c:pt>
+                <c:pt idx="188">
+                  <c:v>187</c:v>
+                </c:pt>
+                <c:pt idx="189">
+                  <c:v>188</c:v>
+                </c:pt>
+                <c:pt idx="190">
+                  <c:v>189</c:v>
+                </c:pt>
+                <c:pt idx="191">
+                  <c:v>190</c:v>
+                </c:pt>
+                <c:pt idx="192">
+                  <c:v>191</c:v>
+                </c:pt>
+                <c:pt idx="193">
+                  <c:v>192</c:v>
+                </c:pt>
+                <c:pt idx="194">
+                  <c:v>193</c:v>
+                </c:pt>
+                <c:pt idx="195">
+                  <c:v>194</c:v>
+                </c:pt>
+                <c:pt idx="196">
+                  <c:v>195</c:v>
+                </c:pt>
+                <c:pt idx="197">
+                  <c:v>196</c:v>
+                </c:pt>
+                <c:pt idx="198">
+                  <c:v>197</c:v>
+                </c:pt>
+                <c:pt idx="199">
+                  <c:v>198</c:v>
+                </c:pt>
+                <c:pt idx="200">
+                  <c:v>199</c:v>
+                </c:pt>
+                <c:pt idx="201">
+                  <c:v>200</c:v>
+                </c:pt>
+                <c:pt idx="202">
+                  <c:v>201</c:v>
+                </c:pt>
+                <c:pt idx="203">
+                  <c:v>202</c:v>
+                </c:pt>
+                <c:pt idx="204">
+                  <c:v>203</c:v>
+                </c:pt>
+                <c:pt idx="205">
+                  <c:v>204</c:v>
+                </c:pt>
+                <c:pt idx="206">
+                  <c:v>205</c:v>
+                </c:pt>
+                <c:pt idx="207">
+                  <c:v>206</c:v>
+                </c:pt>
+                <c:pt idx="208">
+                  <c:v>207</c:v>
+                </c:pt>
+                <c:pt idx="209">
+                  <c:v>208</c:v>
+                </c:pt>
+                <c:pt idx="210">
+                  <c:v>209</c:v>
+                </c:pt>
+                <c:pt idx="211">
+                  <c:v>210</c:v>
+                </c:pt>
+                <c:pt idx="212">
+                  <c:v>211</c:v>
+                </c:pt>
+                <c:pt idx="213">
+                  <c:v>212</c:v>
+                </c:pt>
+                <c:pt idx="214">
+                  <c:v>213</c:v>
+                </c:pt>
+                <c:pt idx="215">
+                  <c:v>214</c:v>
+                </c:pt>
+                <c:pt idx="216">
+                  <c:v>215</c:v>
+                </c:pt>
+                <c:pt idx="217">
+                  <c:v>216</c:v>
+                </c:pt>
+                <c:pt idx="218">
+                  <c:v>217</c:v>
+                </c:pt>
+                <c:pt idx="219">
+                  <c:v>218</c:v>
+                </c:pt>
+                <c:pt idx="220">
+                  <c:v>219</c:v>
+                </c:pt>
+                <c:pt idx="221">
+                  <c:v>220</c:v>
+                </c:pt>
+              </c:strCache>
+            </c:strRef>
+          </c:xVal>
+          <c:yVal>
+            <c:numRef>
+              <c:f>'[active learning.xlsx]sdh-70%'!$AF:$AF</c:f>
+              <c:numCache>
+                <c:formatCode>General</c:formatCode>
+                <c:ptCount val="1048576"/>
+                <c:pt idx="0">
+                  <c:v>0.0</c:v>
+                </c:pt>
+                <c:pt idx="1">
+                  <c:v>0.0</c:v>
+                </c:pt>
+                <c:pt idx="2">
+                  <c:v>0.0</c:v>
+                </c:pt>
+                <c:pt idx="3">
                   <c:v>5.527244217953744</c:v>
                 </c:pt>
                 <c:pt idx="4">
-                  <c:v>6.507252058016464</c:v>
+                  <c:v>5.840846726773814</c:v>
                 </c:pt>
                 <c:pt idx="5">
-                  <c:v>6.585652685221481</c:v>
+                  <c:v>6.938455507644061</c:v>
                 </c:pt>
                 <c:pt idx="6">
-                  <c:v>6.62485299882399</c:v>
+                  <c:v>17.7577420619365</c:v>
                 </c:pt>
                 <c:pt idx="7">
-                  <c:v>7.095256762054096</c:v>
+                  <c:v>23.16738533908271</c:v>
                 </c:pt>
                 <c:pt idx="8">
-                  <c:v>7.134457075656606</c:v>
+                  <c:v>23.95139161113289</c:v>
                 </c:pt>
                 <c:pt idx="9">
-                  <c:v>7.173657389259114</c:v>
+                  <c:v>23.95139161113289</c:v>
                 </c:pt>
                 <c:pt idx="10">
-                  <c:v>7.252058016464131</c:v>
+                  <c:v>23.9905919247354</c:v>
                 </c:pt>
                 <c:pt idx="11">
-                  <c:v>7.29125833006664</c:v>
+                  <c:v>24.06899255194041</c:v>
                 </c:pt>
                 <c:pt idx="12">
-                  <c:v>7.369658957271658</c:v>
+                  <c:v>24.14739317914543</c:v>
                 </c:pt>
                 <c:pt idx="13">
-                  <c:v>7.408859270874167</c:v>
+                  <c:v>24.22579380635045</c:v>
                 </c:pt>
                 <c:pt idx="14">
-                  <c:v>7.487259898079184</c:v>
+                  <c:v>24.26499411995296</c:v>
                 </c:pt>
                 <c:pt idx="15">
-                  <c:v>7.526460211681694</c:v>
+                  <c:v>24.30419443355547</c:v>
                 </c:pt>
                 <c:pt idx="16">
-                  <c:v>8.663269306154448</c:v>
+                  <c:v>24.38259506076049</c:v>
                 </c:pt>
                 <c:pt idx="17">
-                  <c:v>8.820070560564485</c:v>
+                  <c:v>24.50019600156801</c:v>
                 </c:pt>
                 <c:pt idx="18">
-                  <c:v>8.898471187769502</c:v>
+                  <c:v>24.73539788318307</c:v>
                 </c:pt>
                 <c:pt idx="19">
-                  <c:v>9.564876519012152</c:v>
+                  <c:v>24.81379851038808</c:v>
                 </c:pt>
                 <c:pt idx="20">
-                  <c:v>9.643277146217169</c:v>
+                  <c:v>24.8921991375931</c:v>
                 </c:pt>
                 <c:pt idx="21">
-                  <c:v>9.721677773422188</c:v>
+                  <c:v>25.00980007840063</c:v>
                 </c:pt>
                 <c:pt idx="22">
-                  <c:v>10.03528028224226</c:v>
+                  <c:v>26.10740885927087</c:v>
                 </c:pt>
                 <c:pt idx="23">
-                  <c:v>10.74088592708742</c:v>
+                  <c:v>26.26421011368091</c:v>
                 </c:pt>
                 <c:pt idx="24">
-                  <c:v>10.78008624068993</c:v>
+                  <c:v>26.73461387691102</c:v>
                 </c:pt>
                 <c:pt idx="25">
-                  <c:v>10.89768718149745</c:v>
+                  <c:v>26.96981575852607</c:v>
                 </c:pt>
                 <c:pt idx="26">
-                  <c:v>11.01528812230498</c:v>
+                  <c:v>26.96981575852607</c:v>
                 </c:pt>
                 <c:pt idx="27">
-                  <c:v>11.1328890631125</c:v>
+                  <c:v>26.96981575852607</c:v>
                 </c:pt>
                 <c:pt idx="28">
-                  <c:v>11.17208937671501</c:v>
+                  <c:v>26.96981575852607</c:v>
                 </c:pt>
                 <c:pt idx="29">
-                  <c:v>11.21128969031752</c:v>
+                  <c:v>26.96981575852607</c:v>
                 </c:pt>
                 <c:pt idx="30">
-                  <c:v>16.62093296746374</c:v>
+                  <c:v>26.96981575852607</c:v>
                 </c:pt>
                 <c:pt idx="31">
-                  <c:v>21.40337122696982</c:v>
+                  <c:v>26.96981575852607</c:v>
                 </c:pt>
                 <c:pt idx="32">
-                  <c:v>26.96981575852607</c:v>
+                  <c:v>27.2050176401411</c:v>
                 </c:pt>
                 <c:pt idx="33">
-                  <c:v>33.47706781654253</c:v>
+                  <c:v>27.32261858094865</c:v>
                 </c:pt>
                 <c:pt idx="34">
-                  <c:v>38.88671109368875</c:v>
+                  <c:v>27.75382203057625</c:v>
                 </c:pt>
                 <c:pt idx="35">
-                  <c:v>39.51391611132889</c:v>
+                  <c:v>28.8514308114465</c:v>
                 </c:pt>
                 <c:pt idx="36">
-                  <c:v>44.9235593884751</c:v>
+                  <c:v>28.8514308114465</c:v>
                 </c:pt>
                 <c:pt idx="37">
-                  <c:v>44.06115248921991</c:v>
+                  <c:v>28.8514308114465</c:v>
                 </c:pt>
                 <c:pt idx="38">
-                  <c:v>44.10035280282242</c:v>
+                  <c:v>28.8514308114465</c:v>
                 </c:pt>
                 <c:pt idx="39">
-                  <c:v>44.10035280282242</c:v>
+                  <c:v>29.83143865150921</c:v>
                 </c:pt>
                 <c:pt idx="40">
-                  <c:v>44.13955311642493</c:v>
+                  <c:v>29.83143865150921</c:v>
                 </c:pt>
                 <c:pt idx="41">
+                  <c:v>30.06664053312424</c:v>
+                </c:pt>
+                <c:pt idx="42">
+                  <c:v>30.10584084672677</c:v>
+                </c:pt>
+                <c:pt idx="43">
+                  <c:v>30.10584084672677</c:v>
+                </c:pt>
+                <c:pt idx="44">
+                  <c:v>30.10584084672677</c:v>
+                </c:pt>
+                <c:pt idx="45">
+                  <c:v>30.10584084672677</c:v>
+                </c:pt>
+                <c:pt idx="46">
+                  <c:v>30.10584084672677</c:v>
+                </c:pt>
+                <c:pt idx="47">
+                  <c:v>31.08584868678949</c:v>
+                </c:pt>
+                <c:pt idx="48">
+                  <c:v>31.67385339082713</c:v>
+                </c:pt>
+                <c:pt idx="49">
+                  <c:v>32.34025872206977</c:v>
+                </c:pt>
+                <c:pt idx="50">
+                  <c:v>32.34025872206977</c:v>
+                </c:pt>
+                <c:pt idx="51">
+                  <c:v>32.73226185809487</c:v>
+                </c:pt>
+                <c:pt idx="52">
+                  <c:v>32.73226185809487</c:v>
+                </c:pt>
+                <c:pt idx="53">
+                  <c:v>33.71226969815758</c:v>
+                </c:pt>
+                <c:pt idx="54">
+                  <c:v>33.7906703253626</c:v>
+                </c:pt>
+                <c:pt idx="55">
+                  <c:v>33.86907095256762</c:v>
+                </c:pt>
+                <c:pt idx="56">
+                  <c:v>33.86907095256762</c:v>
+                </c:pt>
+                <c:pt idx="57">
+                  <c:v>33.9474715797726</c:v>
+                </c:pt>
+                <c:pt idx="58">
+                  <c:v>34.02587220697765</c:v>
+                </c:pt>
+                <c:pt idx="59">
+                  <c:v>34.18267346138767</c:v>
+                </c:pt>
+                <c:pt idx="60">
+                  <c:v>34.18267346138767</c:v>
+                </c:pt>
+                <c:pt idx="61">
+                  <c:v>34.18267346138767</c:v>
+                </c:pt>
+                <c:pt idx="62">
+                  <c:v>34.18267346138767</c:v>
+                </c:pt>
+                <c:pt idx="63">
+                  <c:v>34.2218737749902</c:v>
+                </c:pt>
+                <c:pt idx="64">
+                  <c:v>39.39631517052136</c:v>
+                </c:pt>
+                <c:pt idx="65">
+                  <c:v>43.78675029400235</c:v>
+                </c:pt>
+                <c:pt idx="66">
+                  <c:v>44.13955311642495</c:v>
+                </c:pt>
+                <c:pt idx="67">
+                  <c:v>44.17875343002744</c:v>
+                </c:pt>
+                <c:pt idx="68">
                   <c:v>44.21795374362994</c:v>
                 </c:pt>
-                <c:pt idx="42">
-                  <c:v>44.25715405723246</c:v>
-                </c:pt>
-                <c:pt idx="43">
-                  <c:v>44.33555468443748</c:v>
-                </c:pt>
-                <c:pt idx="44">
-                  <c:v>44.4139553116425</c:v>
-                </c:pt>
-                <c:pt idx="45">
-                  <c:v>49.82359858878871</c:v>
-                </c:pt>
-                <c:pt idx="46">
-                  <c:v>49.90199921599373</c:v>
-                </c:pt>
-                <c:pt idx="47">
-                  <c:v>49.98039984319874</c:v>
-                </c:pt>
-                <c:pt idx="48">
-                  <c:v>50.01960015680125</c:v>
-                </c:pt>
-                <c:pt idx="49">
-                  <c:v>50.49000392003136</c:v>
-                </c:pt>
-                <c:pt idx="50">
-                  <c:v>50.52920423363387</c:v>
-                </c:pt>
-                <c:pt idx="51">
-                  <c:v>50.56840454723638</c:v>
-                </c:pt>
-                <c:pt idx="52">
-                  <c:v>55.31164249313994</c:v>
-                </c:pt>
-                <c:pt idx="53">
-                  <c:v>56.29165033320267</c:v>
-                </c:pt>
-                <c:pt idx="54">
-                  <c:v>58.13406507252058</c:v>
-                </c:pt>
-                <c:pt idx="55">
-                  <c:v>58.1732653861231</c:v>
-                </c:pt>
-                <c:pt idx="56">
-                  <c:v>58.2124656997256</c:v>
-                </c:pt>
-                <c:pt idx="57">
-                  <c:v>58.2516660133281</c:v>
-                </c:pt>
-                <c:pt idx="58">
-                  <c:v>58.29086632693062</c:v>
-                </c:pt>
-                <c:pt idx="59">
-                  <c:v>58.60446883575069</c:v>
-                </c:pt>
-                <c:pt idx="60">
-                  <c:v>58.64366914935319</c:v>
-                </c:pt>
-                <c:pt idx="61">
-                  <c:v>64.05331242649942</c:v>
-                </c:pt>
-                <c:pt idx="62">
-                  <c:v>64.09251274010192</c:v>
-                </c:pt>
-                <c:pt idx="63">
-                  <c:v>64.17091336730694</c:v>
-                </c:pt>
-                <c:pt idx="64">
-                  <c:v>64.32771462171697</c:v>
-                </c:pt>
-                <c:pt idx="65">
-                  <c:v>64.36691493531948</c:v>
-                </c:pt>
-                <c:pt idx="66">
-                  <c:v>64.4453155625245</c:v>
-                </c:pt>
-                <c:pt idx="67">
-                  <c:v>64.52371618972951</c:v>
-                </c:pt>
-                <c:pt idx="68">
-                  <c:v>64.56291650333203</c:v>
-                </c:pt>
                 <c:pt idx="69">
-                  <c:v>64.60211681693454</c:v>
+                  <c:v>44.37475499803998</c:v>
                 </c:pt>
                 <c:pt idx="70">
-                  <c:v>66.01332810662485</c:v>
+                  <c:v>44.37475499803998</c:v>
                 </c:pt>
                 <c:pt idx="71">
-                  <c:v>70.40376323010583</c:v>
+                  <c:v>45.51156409251274</c:v>
+                </c:pt>
+                <c:pt idx="72">
+                  <c:v>45.62916503332027</c:v>
+                </c:pt>
+                <c:pt idx="73">
+                  <c:v>45.70756566052528</c:v>
+                </c:pt>
+                <c:pt idx="74">
+                  <c:v>45.70756566052528</c:v>
+                </c:pt>
+                <c:pt idx="75">
+                  <c:v>46.687573500588</c:v>
+                </c:pt>
+                <c:pt idx="76">
+                  <c:v>47.0795766366131</c:v>
+                </c:pt>
+                <c:pt idx="77">
+                  <c:v>47.0795766366131</c:v>
+                </c:pt>
+                <c:pt idx="78">
+                  <c:v>47.0795766366131</c:v>
+                </c:pt>
+                <c:pt idx="79">
+                  <c:v>43.74754998039984</c:v>
+                </c:pt>
+                <c:pt idx="80">
+                  <c:v>43.74754998039984</c:v>
+                </c:pt>
+                <c:pt idx="81">
+                  <c:v>48.4907879263034</c:v>
+                </c:pt>
+                <c:pt idx="82">
+                  <c:v>48.88279106232849</c:v>
+                </c:pt>
+                <c:pt idx="83">
+                  <c:v>49.31399451195608</c:v>
+                </c:pt>
+                <c:pt idx="84">
+                  <c:v>55.1156409251274</c:v>
+                </c:pt>
+                <c:pt idx="85">
+                  <c:v>55.74284594276754</c:v>
+                </c:pt>
+                <c:pt idx="86">
+                  <c:v>55.82124656997253</c:v>
+                </c:pt>
+                <c:pt idx="87">
+                  <c:v>55.82124656997253</c:v>
+                </c:pt>
+                <c:pt idx="88">
+                  <c:v>60.5644845158761</c:v>
+                </c:pt>
+                <c:pt idx="89">
+                  <c:v>65.97412779302234</c:v>
+                </c:pt>
+                <c:pt idx="90">
+                  <c:v>71.38377107016852</c:v>
+                </c:pt>
+                <c:pt idx="91">
+                  <c:v>76.79341434731477</c:v>
+                </c:pt>
+                <c:pt idx="92">
+                  <c:v>76.79341434731477</c:v>
+                </c:pt>
+                <c:pt idx="93">
+                  <c:v>76.79341434731477</c:v>
+                </c:pt>
+                <c:pt idx="94">
+                  <c:v>76.79341434731477</c:v>
+                </c:pt>
+                <c:pt idx="95">
+                  <c:v>76.79341434731477</c:v>
+                </c:pt>
+                <c:pt idx="96">
+                  <c:v>76.79341434731477</c:v>
+                </c:pt>
+                <c:pt idx="97">
+                  <c:v>76.79341434731477</c:v>
+                </c:pt>
+                <c:pt idx="98">
+                  <c:v>76.79341434731477</c:v>
+                </c:pt>
+                <c:pt idx="99">
+                  <c:v>76.79341434731477</c:v>
+                </c:pt>
+                <c:pt idx="100">
+                  <c:v>76.79341434731477</c:v>
+                </c:pt>
+                <c:pt idx="101">
+                  <c:v>76.79341434731477</c:v>
+                </c:pt>
+                <c:pt idx="102">
+                  <c:v>81.53665229321836</c:v>
+                </c:pt>
+                <c:pt idx="103">
+                  <c:v>81.53665229321836</c:v>
+                </c:pt>
+                <c:pt idx="104">
+                  <c:v>86.94629557036456</c:v>
+                </c:pt>
+                <c:pt idx="105">
+                  <c:v>86.94629557036456</c:v>
+                </c:pt>
+                <c:pt idx="106">
+                  <c:v>86.94629557036456</c:v>
+                </c:pt>
+                <c:pt idx="107">
+                  <c:v>86.94629557036456</c:v>
+                </c:pt>
+                <c:pt idx="108">
+                  <c:v>86.94629557036456</c:v>
+                </c:pt>
+                <c:pt idx="109">
+                  <c:v>86.94629557036456</c:v>
+                </c:pt>
+                <c:pt idx="110">
+                  <c:v>86.94629557036456</c:v>
+                </c:pt>
+                <c:pt idx="111">
+                  <c:v>86.94629557036456</c:v>
+                </c:pt>
+                <c:pt idx="112">
+                  <c:v>86.94629557036456</c:v>
+                </c:pt>
+                <c:pt idx="113">
+                  <c:v>86.94629557036456</c:v>
+                </c:pt>
+                <c:pt idx="114">
+                  <c:v>86.94629557036456</c:v>
+                </c:pt>
+                <c:pt idx="115">
+                  <c:v>86.94629557036456</c:v>
+                </c:pt>
+                <c:pt idx="116">
+                  <c:v>86.94629557036456</c:v>
+                </c:pt>
+                <c:pt idx="117">
+                  <c:v>86.94629557036456</c:v>
+                </c:pt>
+                <c:pt idx="118">
+                  <c:v>86.94629557036456</c:v>
+                </c:pt>
+                <c:pt idx="119">
+                  <c:v>86.94629557036456</c:v>
+                </c:pt>
+                <c:pt idx="120">
+                  <c:v>86.94629557036456</c:v>
+                </c:pt>
+                <c:pt idx="121">
+                  <c:v>86.94629557036456</c:v>
+                </c:pt>
+                <c:pt idx="122">
+                  <c:v>86.94629557036456</c:v>
+                </c:pt>
+                <c:pt idx="123">
+                  <c:v>86.94629557036456</c:v>
+                </c:pt>
+                <c:pt idx="124">
+                  <c:v>86.94629557036456</c:v>
+                </c:pt>
+                <c:pt idx="125">
+                  <c:v>86.94629557036456</c:v>
+                </c:pt>
+                <c:pt idx="126">
+                  <c:v>86.94629557036456</c:v>
+                </c:pt>
+                <c:pt idx="127">
+                  <c:v>86.7894943159545</c:v>
+                </c:pt>
+                <c:pt idx="128">
+                  <c:v>86.94629557036456</c:v>
+                </c:pt>
+                <c:pt idx="129">
+                  <c:v>86.94629557036456</c:v>
+                </c:pt>
+                <c:pt idx="130">
+                  <c:v>86.94629557036456</c:v>
+                </c:pt>
+                <c:pt idx="131">
+                  <c:v>86.94629557036456</c:v>
+                </c:pt>
+                <c:pt idx="132">
+                  <c:v>86.94629557036456</c:v>
+                </c:pt>
+                <c:pt idx="133">
+                  <c:v>86.94629557036456</c:v>
+                </c:pt>
+                <c:pt idx="134">
+                  <c:v>86.94629557036456</c:v>
+                </c:pt>
+                <c:pt idx="135">
+                  <c:v>86.94629557036456</c:v>
+                </c:pt>
+                <c:pt idx="136">
+                  <c:v>86.94629557036456</c:v>
+                </c:pt>
+                <c:pt idx="137">
+                  <c:v>86.94629557036456</c:v>
+                </c:pt>
+                <c:pt idx="138">
+                  <c:v>86.94629557036456</c:v>
+                </c:pt>
+                <c:pt idx="139">
+                  <c:v>86.94629557036456</c:v>
+                </c:pt>
+                <c:pt idx="140">
+                  <c:v>86.94629557036456</c:v>
+                </c:pt>
+                <c:pt idx="141">
+                  <c:v>86.94629557036456</c:v>
+                </c:pt>
+                <c:pt idx="142">
+                  <c:v>87.41669933359465</c:v>
+                </c:pt>
+                <c:pt idx="143">
+                  <c:v>87.41669933359465</c:v>
+                </c:pt>
+                <c:pt idx="144">
+                  <c:v>87.41669933359465</c:v>
+                </c:pt>
+                <c:pt idx="145">
+                  <c:v>87.41669933359465</c:v>
+                </c:pt>
+                <c:pt idx="146">
+                  <c:v>87.41669933359465</c:v>
+                </c:pt>
+                <c:pt idx="147">
+                  <c:v>87.41669933359465</c:v>
+                </c:pt>
+                <c:pt idx="148">
+                  <c:v>87.41669933359465</c:v>
+                </c:pt>
+                <c:pt idx="149">
+                  <c:v>87.41669933359465</c:v>
+                </c:pt>
+                <c:pt idx="150">
+                  <c:v>87.41669933359465</c:v>
+                </c:pt>
+                <c:pt idx="151">
+                  <c:v>87.41669933359465</c:v>
+                </c:pt>
+                <c:pt idx="152">
+                  <c:v>87.41669933359465</c:v>
+                </c:pt>
+                <c:pt idx="153">
+                  <c:v>87.41669933359465</c:v>
+                </c:pt>
+                <c:pt idx="154">
+                  <c:v>87.41669933359465</c:v>
+                </c:pt>
+                <c:pt idx="155">
+                  <c:v>87.41669933359465</c:v>
+                </c:pt>
+                <c:pt idx="156">
+                  <c:v>87.41669933359465</c:v>
+                </c:pt>
+                <c:pt idx="157">
+                  <c:v>86.00548804390432</c:v>
+                </c:pt>
+                <c:pt idx="158">
+                  <c:v>86.00548804390432</c:v>
+                </c:pt>
+                <c:pt idx="159">
+                  <c:v>86.00548804390432</c:v>
+                </c:pt>
+                <c:pt idx="160">
+                  <c:v>86.00548804390432</c:v>
+                </c:pt>
+                <c:pt idx="161">
+                  <c:v>86.00548804390432</c:v>
+                </c:pt>
+                <c:pt idx="162">
+                  <c:v>86.00548804390432</c:v>
+                </c:pt>
+                <c:pt idx="163">
+                  <c:v>86.00548804390432</c:v>
+                </c:pt>
+                <c:pt idx="164">
+                  <c:v>86.00548804390432</c:v>
+                </c:pt>
+                <c:pt idx="165">
+                  <c:v>86.00548804390432</c:v>
+                </c:pt>
+                <c:pt idx="166">
+                  <c:v>86.00548804390432</c:v>
+                </c:pt>
+                <c:pt idx="167">
+                  <c:v>86.00548804390432</c:v>
+                </c:pt>
+                <c:pt idx="168">
+                  <c:v>86.00548804390432</c:v>
+                </c:pt>
+                <c:pt idx="169">
+                  <c:v>86.00548804390432</c:v>
+                </c:pt>
+                <c:pt idx="170">
+                  <c:v>86.00548804390432</c:v>
+                </c:pt>
+                <c:pt idx="171">
+                  <c:v>86.00548804390432</c:v>
+                </c:pt>
+                <c:pt idx="172">
+                  <c:v>86.00548804390432</c:v>
+                </c:pt>
+                <c:pt idx="173">
+                  <c:v>86.00548804390432</c:v>
+                </c:pt>
+                <c:pt idx="174">
+                  <c:v>86.00548804390432</c:v>
+                </c:pt>
+                <c:pt idx="175">
+                  <c:v>86.00548804390432</c:v>
+                </c:pt>
+                <c:pt idx="176">
+                  <c:v>86.00548804390432</c:v>
+                </c:pt>
+                <c:pt idx="177">
+                  <c:v>86.00548804390432</c:v>
+                </c:pt>
+                <c:pt idx="178">
+                  <c:v>86.00548804390432</c:v>
+                </c:pt>
+                <c:pt idx="179">
+                  <c:v>86.00548804390432</c:v>
+                </c:pt>
+                <c:pt idx="180">
+                  <c:v>86.00548804390432</c:v>
+                </c:pt>
+                <c:pt idx="181">
+                  <c:v>86.00548804390432</c:v>
+                </c:pt>
+                <c:pt idx="182">
+                  <c:v>86.00548804390432</c:v>
+                </c:pt>
+                <c:pt idx="183">
+                  <c:v>86.00548804390432</c:v>
+                </c:pt>
+                <c:pt idx="184">
+                  <c:v>86.00548804390432</c:v>
+                </c:pt>
+                <c:pt idx="185">
+                  <c:v>86.00548804390432</c:v>
+                </c:pt>
+                <c:pt idx="186">
+                  <c:v>86.00548804390432</c:v>
+                </c:pt>
+                <c:pt idx="187">
+                  <c:v>86.00548804390432</c:v>
+                </c:pt>
+                <c:pt idx="188">
+                  <c:v>86.00548804390432</c:v>
+                </c:pt>
+                <c:pt idx="189">
+                  <c:v>86.00548804390432</c:v>
+                </c:pt>
+                <c:pt idx="190">
+                  <c:v>86.00548804390432</c:v>
+                </c:pt>
+                <c:pt idx="191">
+                  <c:v>86.00548804390432</c:v>
+                </c:pt>
+                <c:pt idx="192">
+                  <c:v>86.00548804390432</c:v>
+                </c:pt>
+                <c:pt idx="193">
+                  <c:v>86.00548804390432</c:v>
+                </c:pt>
+                <c:pt idx="194">
+                  <c:v>86.00548804390432</c:v>
+                </c:pt>
+                <c:pt idx="195">
+                  <c:v>86.00548804390432</c:v>
+                </c:pt>
+                <c:pt idx="196">
+                  <c:v>86.00548804390432</c:v>
+                </c:pt>
+                <c:pt idx="197">
+                  <c:v>86.00548804390432</c:v>
+                </c:pt>
+                <c:pt idx="198">
+                  <c:v>86.00548804390432</c:v>
+                </c:pt>
+                <c:pt idx="199">
+                  <c:v>86.00548804390432</c:v>
+                </c:pt>
+                <c:pt idx="200">
+                  <c:v>86.00548804390432</c:v>
+                </c:pt>
+                <c:pt idx="201">
+                  <c:v>86.00548804390432</c:v>
+                </c:pt>
+                <c:pt idx="202">
+                  <c:v>86.00548804390432</c:v>
+                </c:pt>
+                <c:pt idx="203">
+                  <c:v>86.00548804390432</c:v>
+                </c:pt>
+                <c:pt idx="204">
+                  <c:v>86.00548804390432</c:v>
+                </c:pt>
+                <c:pt idx="205">
+                  <c:v>86.00548804390432</c:v>
+                </c:pt>
+                <c:pt idx="206">
+                  <c:v>86.00548804390432</c:v>
+                </c:pt>
+                <c:pt idx="207">
+                  <c:v>86.00548804390432</c:v>
+                </c:pt>
+                <c:pt idx="208">
+                  <c:v>86.00548804390432</c:v>
+                </c:pt>
+                <c:pt idx="209">
+                  <c:v>86.00548804390432</c:v>
+                </c:pt>
+                <c:pt idx="210">
+                  <c:v>86.00548804390432</c:v>
+                </c:pt>
+                <c:pt idx="211">
+                  <c:v>86.00548804390432</c:v>
+                </c:pt>
+                <c:pt idx="212">
+                  <c:v>86.00548804390432</c:v>
+                </c:pt>
+                <c:pt idx="213">
+                  <c:v>86.00548804390432</c:v>
+                </c:pt>
+                <c:pt idx="214">
+                  <c:v>86.00548804390432</c:v>
+                </c:pt>
+                <c:pt idx="215">
+                  <c:v>86.00548804390432</c:v>
+                </c:pt>
+                <c:pt idx="216">
+                  <c:v>86.00548804390432</c:v>
+                </c:pt>
+                <c:pt idx="217">
+                  <c:v>86.00548804390432</c:v>
+                </c:pt>
+                <c:pt idx="218">
+                  <c:v>86.08388867110935</c:v>
+                </c:pt>
+                <c:pt idx="219">
+                  <c:v>86.08388867110935</c:v>
+                </c:pt>
+                <c:pt idx="220">
+                  <c:v>86.08388867110935</c:v>
+                </c:pt>
+                <c:pt idx="221">
+                  <c:v>90.82712661701293</c:v>
                 </c:pt>
               </c:numCache>
             </c:numRef>
@@ -1480,15 +3260,13 @@
           <c:showPercent val="0"/>
           <c:showBubbleSize val="0"/>
         </c:dLbls>
-        <c:axId val="-2098488936"/>
-        <c:axId val="-2098512424"/>
+        <c:axId val="-2082506680"/>
+        <c:axId val="-2099981576"/>
       </c:scatterChart>
       <c:valAx>
-        <c:axId val="-2098488936"/>
+        <c:axId val="-2082506680"/>
         <c:scaling>
           <c:orientation val="minMax"/>
-          <c:max val="120.0"/>
-          <c:min val="0.0"/>
         </c:scaling>
         <c:delete val="0"/>
         <c:axPos val="b"/>
@@ -1499,42 +3277,40 @@
               <a:lstStyle/>
               <a:p>
                 <a:pPr>
-                  <a:defRPr sz="1100">
-                    <a:latin typeface="Verdana"/>
-                    <a:cs typeface="Verdana"/>
+                  <a:defRPr b="0">
+                    <a:latin typeface="Times New Roman"/>
+                    <a:cs typeface="Times New Roman"/>
                   </a:defRPr>
                 </a:pPr>
                 <a:r>
-                  <a:rPr lang="en-US" dirty="0" smtClean="0"/>
-                  <a:t># Examples</a:t>
+                  <a:rPr lang="en-US" b="0" dirty="0" smtClean="0">
+                    <a:latin typeface="Times New Roman"/>
+                    <a:cs typeface="Times New Roman"/>
+                  </a:rPr>
+                  <a:t># Examples Provided</a:t>
                 </a:r>
-                <a:endParaRPr lang="en-US" dirty="0"/>
+                <a:endParaRPr lang="en-US" b="0" dirty="0">
+                  <a:latin typeface="Times New Roman"/>
+                  <a:cs typeface="Times New Roman"/>
+                </a:endParaRPr>
               </a:p>
             </c:rich>
           </c:tx>
-          <c:layout>
-            <c:manualLayout>
-              <c:xMode val="edge"/>
-              <c:yMode val="edge"/>
-              <c:x val="0.468308453630796"/>
-              <c:y val="0.880555920093322"/>
-            </c:manualLayout>
-          </c:layout>
+          <c:layout/>
           <c:overlay val="0"/>
         </c:title>
         <c:numFmt formatCode="General" sourceLinked="1"/>
         <c:majorTickMark val="out"/>
         <c:minorTickMark val="none"/>
         <c:tickLblPos val="nextTo"/>
-        <c:crossAx val="-2098512424"/>
+        <c:crossAx val="-2099981576"/>
         <c:crosses val="autoZero"/>
         <c:crossBetween val="midCat"/>
       </c:valAx>
       <c:valAx>
-        <c:axId val="-2098512424"/>
+        <c:axId val="-2099981576"/>
         <c:scaling>
           <c:orientation val="minMax"/>
-          <c:max val="80.0"/>
           <c:min val="0.0"/>
         </c:scaling>
         <c:delete val="0"/>
@@ -1543,11 +3319,9 @@
           <c:spPr>
             <a:ln>
               <a:solidFill>
-                <a:schemeClr val="bg1">
-                  <a:lumMod val="75000"/>
-                </a:schemeClr>
+                <a:srgbClr val="BFBFBF"/>
               </a:solidFill>
-              <a:prstDash val="sysDash"/>
+              <a:prstDash val="dot"/>
             </a:ln>
           </c:spPr>
         </c:majorGridlines>
@@ -1558,48 +3332,33 @@
               <a:lstStyle/>
               <a:p>
                 <a:pPr>
-                  <a:defRPr sz="1100">
-                    <a:latin typeface="Verdana"/>
-                    <a:cs typeface="Verdana"/>
+                  <a:defRPr b="0">
+                    <a:latin typeface="Times New Roman"/>
+                    <a:cs typeface="Times New Roman"/>
                   </a:defRPr>
                 </a:pPr>
                 <a:r>
-                  <a:rPr lang="en-US" dirty="0" smtClean="0"/>
-                  <a:t>% Sensor names fully</a:t>
+                  <a:rPr lang="en-US" b="0" dirty="0" smtClean="0">
+                    <a:latin typeface="Times New Roman"/>
+                    <a:cs typeface="Times New Roman"/>
+                  </a:rPr>
+                  <a:t>% Points fully qualified</a:t>
                 </a:r>
-                <a:r>
-                  <a:rPr lang="en-US" baseline="0" dirty="0" smtClean="0"/>
-                  <a:t> qualified</a:t>
-                </a:r>
-                <a:endParaRPr lang="en-US" dirty="0"/>
+                <a:endParaRPr lang="en-US" b="0" dirty="0">
+                  <a:latin typeface="Times New Roman"/>
+                  <a:cs typeface="Times New Roman"/>
+                </a:endParaRPr>
               </a:p>
             </c:rich>
           </c:tx>
-          <c:layout>
-            <c:manualLayout>
-              <c:xMode val="edge"/>
-              <c:yMode val="edge"/>
-              <c:x val="0.0277777777777778"/>
-              <c:y val="0.154629265091864"/>
-            </c:manualLayout>
-          </c:layout>
+          <c:layout/>
           <c:overlay val="0"/>
         </c:title>
         <c:numFmt formatCode="General" sourceLinked="1"/>
         <c:majorTickMark val="out"/>
         <c:minorTickMark val="none"/>
         <c:tickLblPos val="nextTo"/>
-        <c:txPr>
-          <a:bodyPr/>
-          <a:lstStyle/>
-          <a:p>
-            <a:pPr>
-              <a:defRPr sz="1000"/>
-            </a:pPr>
-            <a:endParaRPr lang="en-US"/>
-          </a:p>
-        </c:txPr>
-        <c:crossAx val="-2098488936"/>
+        <c:crossAx val="-2082506680"/>
         <c:crosses val="autoZero"/>
         <c:crossBetween val="midCat"/>
         <c:majorUnit val="20.0"/>
@@ -1611,32 +3370,19 @@
         <c:manualLayout>
           <c:xMode val="edge"/>
           <c:yMode val="edge"/>
-          <c:x val="0.148712270341207"/>
-          <c:y val="0.0328047535724701"/>
-          <c:w val="0.75406550743657"/>
-          <c:h val="0.0964275298920968"/>
+          <c:x val="0.126183562992126"/>
+          <c:y val="0.00386191309419656"/>
+          <c:w val="0.787010881452318"/>
+          <c:h val="0.172831729367162"/>
         </c:manualLayout>
       </c:layout>
       <c:overlay val="0"/>
-      <c:txPr>
-        <a:bodyPr/>
-        <a:lstStyle/>
-        <a:p>
-          <a:pPr>
-            <a:defRPr sz="800">
-              <a:latin typeface="Verdana"/>
-              <a:cs typeface="Verdana"/>
-            </a:defRPr>
-          </a:pPr>
-          <a:endParaRPr lang="en-US"/>
-        </a:p>
-      </c:txPr>
     </c:legend>
     <c:plotVisOnly val="1"/>
     <c:dispBlanksAs val="gap"/>
     <c:showDLblsOverMax val="0"/>
   </c:chart>
-  <c:externalData r:id="rId2">
+  <c:externalData r:id="rId1">
     <c:autoUpdate val="0"/>
   </c:externalData>
 </c:chartSpace>
@@ -1823,7 +3569,7 @@
           <a:p>
             <a:fld id="{F03B4E95-C12B-524C-8AD4-7BB5BEB4B453}" type="datetimeFigureOut">
               <a:rPr lang="en-US" smtClean="0"/>
-              <a:t>4/3/14</a:t>
+              <a:t>4/4/14</a:t>
             </a:fld>
             <a:endParaRPr lang="en-US"/>
           </a:p>
@@ -1993,7 +3739,7 @@
           <a:p>
             <a:fld id="{F03B4E95-C12B-524C-8AD4-7BB5BEB4B453}" type="datetimeFigureOut">
               <a:rPr lang="en-US" smtClean="0"/>
-              <a:t>4/3/14</a:t>
+              <a:t>4/4/14</a:t>
             </a:fld>
             <a:endParaRPr lang="en-US"/>
           </a:p>
@@ -2173,7 +3919,7 @@
           <a:p>
             <a:fld id="{F03B4E95-C12B-524C-8AD4-7BB5BEB4B453}" type="datetimeFigureOut">
               <a:rPr lang="en-US" smtClean="0"/>
-              <a:t>4/3/14</a:t>
+              <a:t>4/4/14</a:t>
             </a:fld>
             <a:endParaRPr lang="en-US"/>
           </a:p>
@@ -2343,7 +4089,7 @@
           <a:p>
             <a:fld id="{F03B4E95-C12B-524C-8AD4-7BB5BEB4B453}" type="datetimeFigureOut">
               <a:rPr lang="en-US" smtClean="0"/>
-              <a:t>4/3/14</a:t>
+              <a:t>4/4/14</a:t>
             </a:fld>
             <a:endParaRPr lang="en-US"/>
           </a:p>
@@ -2589,7 +4335,7 @@
           <a:p>
             <a:fld id="{F03B4E95-C12B-524C-8AD4-7BB5BEB4B453}" type="datetimeFigureOut">
               <a:rPr lang="en-US" smtClean="0"/>
-              <a:t>4/3/14</a:t>
+              <a:t>4/4/14</a:t>
             </a:fld>
             <a:endParaRPr lang="en-US"/>
           </a:p>
@@ -2877,7 +4623,7 @@
           <a:p>
             <a:fld id="{F03B4E95-C12B-524C-8AD4-7BB5BEB4B453}" type="datetimeFigureOut">
               <a:rPr lang="en-US" smtClean="0"/>
-              <a:t>4/3/14</a:t>
+              <a:t>4/4/14</a:t>
             </a:fld>
             <a:endParaRPr lang="en-US"/>
           </a:p>
@@ -3304,7 +5050,7 @@
           <a:p>
             <a:fld id="{F03B4E95-C12B-524C-8AD4-7BB5BEB4B453}" type="datetimeFigureOut">
               <a:rPr lang="en-US" smtClean="0"/>
-              <a:t>4/3/14</a:t>
+              <a:t>4/4/14</a:t>
             </a:fld>
             <a:endParaRPr lang="en-US"/>
           </a:p>
@@ -3422,7 +5168,7 @@
           <a:p>
             <a:fld id="{F03B4E95-C12B-524C-8AD4-7BB5BEB4B453}" type="datetimeFigureOut">
               <a:rPr lang="en-US" smtClean="0"/>
-              <a:t>4/3/14</a:t>
+              <a:t>4/4/14</a:t>
             </a:fld>
             <a:endParaRPr lang="en-US"/>
           </a:p>
@@ -3517,7 +5263,7 @@
           <a:p>
             <a:fld id="{F03B4E95-C12B-524C-8AD4-7BB5BEB4B453}" type="datetimeFigureOut">
               <a:rPr lang="en-US" smtClean="0"/>
-              <a:t>4/3/14</a:t>
+              <a:t>4/4/14</a:t>
             </a:fld>
             <a:endParaRPr lang="en-US"/>
           </a:p>
@@ -3794,7 +5540,7 @@
           <a:p>
             <a:fld id="{F03B4E95-C12B-524C-8AD4-7BB5BEB4B453}" type="datetimeFigureOut">
               <a:rPr lang="en-US" smtClean="0"/>
-              <a:t>4/3/14</a:t>
+              <a:t>4/4/14</a:t>
             </a:fld>
             <a:endParaRPr lang="en-US"/>
           </a:p>
@@ -4047,7 +5793,7 @@
           <a:p>
             <a:fld id="{F03B4E95-C12B-524C-8AD4-7BB5BEB4B453}" type="datetimeFigureOut">
               <a:rPr lang="en-US" smtClean="0"/>
-              <a:t>4/3/14</a:t>
+              <a:t>4/4/14</a:t>
             </a:fld>
             <a:endParaRPr lang="en-US"/>
           </a:p>
@@ -4260,7 +6006,7 @@
           <a:p>
             <a:fld id="{F03B4E95-C12B-524C-8AD4-7BB5BEB4B453}" type="datetimeFigureOut">
               <a:rPr lang="en-US" smtClean="0"/>
-              <a:t>4/3/14</a:t>
+              <a:t>4/4/14</a:t>
             </a:fld>
             <a:endParaRPr lang="en-US"/>
           </a:p>
@@ -4637,14 +6383,14 @@
       </p:grpSpPr>
       <p:graphicFrame>
         <p:nvGraphicFramePr>
-          <p:cNvPr id="5" name="Chart 4"/>
+          <p:cNvPr id="3" name="Chart 2"/>
           <p:cNvGraphicFramePr>
             <a:graphicFrameLocks/>
           </p:cNvGraphicFramePr>
           <p:nvPr>
             <p:extLst>
               <p:ext uri="{D42A27DB-BD31-4B8C-83A1-F6EECF244321}">
-                <p14:modId xmlns:p14="http://schemas.microsoft.com/office/powerpoint/2010/main" val="1881778930"/>
+                <p14:modId xmlns:p14="http://schemas.microsoft.com/office/powerpoint/2010/main" val="1955987213"/>
               </p:ext>
             </p:extLst>
           </p:nvPr>
@@ -4990,281 +6736,4 @@
   </a:objectDefaults>
   <a:extraClrSchemeLst/>
 </a:theme>
-</file>
-
-<file path=ppt/theme/themeOverride1.xml><?xml version="1.0" encoding="utf-8"?>
-<a:themeOverride xmlns:a="http://schemas.openxmlformats.org/drawingml/2006/main">
-  <a:clrScheme name="Office">
-    <a:dk1>
-      <a:sysClr val="windowText" lastClr="000000"/>
-    </a:dk1>
-    <a:lt1>
-      <a:sysClr val="window" lastClr="FFFFFF"/>
-    </a:lt1>
-    <a:dk2>
-      <a:srgbClr val="1F497D"/>
-    </a:dk2>
-    <a:lt2>
-      <a:srgbClr val="EEECE1"/>
-    </a:lt2>
-    <a:accent1>
-      <a:srgbClr val="4F81BD"/>
-    </a:accent1>
-    <a:accent2>
-      <a:srgbClr val="C0504D"/>
-    </a:accent2>
-    <a:accent3>
-      <a:srgbClr val="9BBB59"/>
-    </a:accent3>
-    <a:accent4>
-      <a:srgbClr val="8064A2"/>
-    </a:accent4>
-    <a:accent5>
-      <a:srgbClr val="4BACC6"/>
-    </a:accent5>
-    <a:accent6>
-      <a:srgbClr val="F79646"/>
-    </a:accent6>
-    <a:hlink>
-      <a:srgbClr val="0000FF"/>
-    </a:hlink>
-    <a:folHlink>
-      <a:srgbClr val="800080"/>
-    </a:folHlink>
-  </a:clrScheme>
-  <a:fontScheme name="Office">
-    <a:majorFont>
-      <a:latin typeface="Calibri"/>
-      <a:ea typeface=""/>
-      <a:cs typeface=""/>
-      <a:font script="Jpan" typeface="ＭＳ Ｐゴシック"/>
-      <a:font script="Hang" typeface="맑은 고딕"/>
-      <a:font script="Hans" typeface="宋体"/>
-      <a:font script="Hant" typeface="新細明體"/>
-      <a:font script="Arab" typeface="Times New Roman"/>
-      <a:font script="Hebr" typeface="Times New Roman"/>
-      <a:font script="Thai" typeface="Angsana New"/>
-      <a:font script="Ethi" typeface="Nyala"/>
-      <a:font script="Beng" typeface="Vrinda"/>
-      <a:font script="Gujr" typeface="Shruti"/>
-      <a:font script="Khmr" typeface="MoolBoran"/>
-      <a:font script="Knda" typeface="Tunga"/>
-      <a:font script="Guru" typeface="Raavi"/>
-      <a:font script="Cans" typeface="Euphemia"/>
-      <a:font script="Cher" typeface="Plantagenet Cherokee"/>
-      <a:font script="Yiii" typeface="Microsoft Yi Baiti"/>
-      <a:font script="Tibt" typeface="Microsoft Himalaya"/>
-      <a:font script="Thaa" typeface="MV Boli"/>
-      <a:font script="Deva" typeface="Mangal"/>
-      <a:font script="Telu" typeface="Gautami"/>
-      <a:font script="Taml" typeface="Latha"/>
-      <a:font script="Syrc" typeface="Estrangelo Edessa"/>
-      <a:font script="Orya" typeface="Kalinga"/>
-      <a:font script="Mlym" typeface="Kartika"/>
-      <a:font script="Laoo" typeface="DokChampa"/>
-      <a:font script="Sinh" typeface="Iskoola Pota"/>
-      <a:font script="Mong" typeface="Mongolian Baiti"/>
-      <a:font script="Viet" typeface="Times New Roman"/>
-      <a:font script="Uigh" typeface="Microsoft Uighur"/>
-      <a:font script="Geor" typeface="Sylfaen"/>
-    </a:majorFont>
-    <a:minorFont>
-      <a:latin typeface="Calibri"/>
-      <a:ea typeface=""/>
-      <a:cs typeface=""/>
-      <a:font script="Jpan" typeface="ＭＳ Ｐゴシック"/>
-      <a:font script="Hang" typeface="맑은 고딕"/>
-      <a:font script="Hans" typeface="宋体"/>
-      <a:font script="Hant" typeface="新細明體"/>
-      <a:font script="Arab" typeface="Arial"/>
-      <a:font script="Hebr" typeface="Arial"/>
-      <a:font script="Thai" typeface="Cordia New"/>
-      <a:font script="Ethi" typeface="Nyala"/>
-      <a:font script="Beng" typeface="Vrinda"/>
-      <a:font script="Gujr" typeface="Shruti"/>
-      <a:font script="Khmr" typeface="DaunPenh"/>
-      <a:font script="Knda" typeface="Tunga"/>
-      <a:font script="Guru" typeface="Raavi"/>
-      <a:font script="Cans" typeface="Euphemia"/>
-      <a:font script="Cher" typeface="Plantagenet Cherokee"/>
-      <a:font script="Yiii" typeface="Microsoft Yi Baiti"/>
-      <a:font script="Tibt" typeface="Microsoft Himalaya"/>
-      <a:font script="Thaa" typeface="MV Boli"/>
-      <a:font script="Deva" typeface="Mangal"/>
-      <a:font script="Telu" typeface="Gautami"/>
-      <a:font script="Taml" typeface="Latha"/>
-      <a:font script="Syrc" typeface="Estrangelo Edessa"/>
-      <a:font script="Orya" typeface="Kalinga"/>
-      <a:font script="Mlym" typeface="Kartika"/>
-      <a:font script="Laoo" typeface="DokChampa"/>
-      <a:font script="Sinh" typeface="Iskoola Pota"/>
-      <a:font script="Mong" typeface="Mongolian Baiti"/>
-      <a:font script="Viet" typeface="Arial"/>
-      <a:font script="Uigh" typeface="Microsoft Uighur"/>
-      <a:font script="Geor" typeface="Sylfaen"/>
-    </a:minorFont>
-  </a:fontScheme>
-  <a:fmtScheme name="Office">
-    <a:fillStyleLst>
-      <a:solidFill>
-        <a:schemeClr val="phClr"/>
-      </a:solidFill>
-      <a:gradFill rotWithShape="1">
-        <a:gsLst>
-          <a:gs pos="0">
-            <a:schemeClr val="phClr">
-              <a:tint val="50000"/>
-              <a:satMod val="300000"/>
-            </a:schemeClr>
-          </a:gs>
-          <a:gs pos="35000">
-            <a:schemeClr val="phClr">
-              <a:tint val="37000"/>
-              <a:satMod val="300000"/>
-            </a:schemeClr>
-          </a:gs>
-          <a:gs pos="100000">
-            <a:schemeClr val="phClr">
-              <a:tint val="15000"/>
-              <a:satMod val="350000"/>
-            </a:schemeClr>
-          </a:gs>
-        </a:gsLst>
-        <a:lin ang="16200000" scaled="1"/>
-      </a:gradFill>
-      <a:gradFill rotWithShape="1">
-        <a:gsLst>
-          <a:gs pos="0">
-            <a:schemeClr val="phClr">
-              <a:tint val="100000"/>
-              <a:shade val="100000"/>
-              <a:satMod val="130000"/>
-            </a:schemeClr>
-          </a:gs>
-          <a:gs pos="100000">
-            <a:schemeClr val="phClr">
-              <a:tint val="50000"/>
-              <a:shade val="100000"/>
-              <a:satMod val="350000"/>
-            </a:schemeClr>
-          </a:gs>
-        </a:gsLst>
-        <a:lin ang="16200000" scaled="0"/>
-      </a:gradFill>
-    </a:fillStyleLst>
-    <a:lnStyleLst>
-      <a:ln w="9525" cap="flat" cmpd="sng" algn="ctr">
-        <a:solidFill>
-          <a:schemeClr val="phClr">
-            <a:shade val="95000"/>
-            <a:satMod val="105000"/>
-          </a:schemeClr>
-        </a:solidFill>
-        <a:prstDash val="solid"/>
-      </a:ln>
-      <a:ln w="25400" cap="flat" cmpd="sng" algn="ctr">
-        <a:solidFill>
-          <a:schemeClr val="phClr"/>
-        </a:solidFill>
-        <a:prstDash val="solid"/>
-      </a:ln>
-      <a:ln w="38100" cap="flat" cmpd="sng" algn="ctr">
-        <a:solidFill>
-          <a:schemeClr val="phClr"/>
-        </a:solidFill>
-        <a:prstDash val="solid"/>
-      </a:ln>
-    </a:lnStyleLst>
-    <a:effectStyleLst>
-      <a:effectStyle>
-        <a:effectLst>
-          <a:outerShdw blurRad="40000" dist="20000" dir="5400000" rotWithShape="0">
-            <a:srgbClr val="000000">
-              <a:alpha val="38000"/>
-            </a:srgbClr>
-          </a:outerShdw>
-        </a:effectLst>
-      </a:effectStyle>
-      <a:effectStyle>
-        <a:effectLst>
-          <a:outerShdw blurRad="40000" dist="23000" dir="5400000" rotWithShape="0">
-            <a:srgbClr val="000000">
-              <a:alpha val="35000"/>
-            </a:srgbClr>
-          </a:outerShdw>
-        </a:effectLst>
-      </a:effectStyle>
-      <a:effectStyle>
-        <a:effectLst>
-          <a:outerShdw blurRad="40000" dist="23000" dir="5400000" rotWithShape="0">
-            <a:srgbClr val="000000">
-              <a:alpha val="35000"/>
-            </a:srgbClr>
-          </a:outerShdw>
-        </a:effectLst>
-        <a:scene3d>
-          <a:camera prst="orthographicFront">
-            <a:rot lat="0" lon="0" rev="0"/>
-          </a:camera>
-          <a:lightRig rig="threePt" dir="t">
-            <a:rot lat="0" lon="0" rev="1200000"/>
-          </a:lightRig>
-        </a:scene3d>
-        <a:sp3d>
-          <a:bevelT w="63500" h="25400"/>
-        </a:sp3d>
-      </a:effectStyle>
-    </a:effectStyleLst>
-    <a:bgFillStyleLst>
-      <a:solidFill>
-        <a:schemeClr val="phClr"/>
-      </a:solidFill>
-      <a:gradFill rotWithShape="1">
-        <a:gsLst>
-          <a:gs pos="0">
-            <a:schemeClr val="phClr">
-              <a:tint val="40000"/>
-              <a:satMod val="350000"/>
-            </a:schemeClr>
-          </a:gs>
-          <a:gs pos="40000">
-            <a:schemeClr val="phClr">
-              <a:tint val="45000"/>
-              <a:shade val="99000"/>
-              <a:satMod val="350000"/>
-            </a:schemeClr>
-          </a:gs>
-          <a:gs pos="100000">
-            <a:schemeClr val="phClr">
-              <a:shade val="20000"/>
-              <a:satMod val="255000"/>
-            </a:schemeClr>
-          </a:gs>
-        </a:gsLst>
-        <a:path path="circle">
-          <a:fillToRect l="50000" t="-80000" r="50000" b="180000"/>
-        </a:path>
-      </a:gradFill>
-      <a:gradFill rotWithShape="1">
-        <a:gsLst>
-          <a:gs pos="0">
-            <a:schemeClr val="phClr">
-              <a:tint val="80000"/>
-              <a:satMod val="300000"/>
-            </a:schemeClr>
-          </a:gs>
-          <a:gs pos="100000">
-            <a:schemeClr val="phClr">
-              <a:shade val="30000"/>
-              <a:satMod val="200000"/>
-            </a:schemeClr>
-          </a:gs>
-        </a:gsLst>
-        <a:path path="circle">
-          <a:fillToRect l="50000" t="50000" r="50000" b="50000"/>
-        </a:path>
-      </a:gradFill>
-    </a:bgFillStyleLst>
-  </a:fmtScheme>
-</a:themeOverride>
 </file>